--- a/src/Овсянников_Презентация.pptx
+++ b/src/Овсянников_Презентация.pptx
@@ -15,19 +15,31 @@
     <p:sldId id="266" r:id="rId12"/>
     <p:sldId id="263" r:id="rId13"/>
     <p:sldId id="264" r:id="rId14"/>
-    <p:sldId id="265" r:id="rId15"/>
-    <p:sldId id="267" r:id="rId16"/>
-    <p:sldId id="268" r:id="rId17"/>
-    <p:sldId id="269" r:id="rId18"/>
-    <p:sldId id="270" r:id="rId19"/>
-    <p:sldId id="271" r:id="rId20"/>
-    <p:sldId id="272" r:id="rId21"/>
-    <p:sldId id="273" r:id="rId22"/>
-    <p:sldId id="274" r:id="rId23"/>
-    <p:sldId id="275" r:id="rId24"/>
-    <p:sldId id="276" r:id="rId25"/>
-    <p:sldId id="277" r:id="rId26"/>
-    <p:sldId id="278" r:id="rId27"/>
+    <p:sldId id="279" r:id="rId15"/>
+    <p:sldId id="280" r:id="rId16"/>
+    <p:sldId id="282" r:id="rId17"/>
+    <p:sldId id="281" r:id="rId18"/>
+    <p:sldId id="283" r:id="rId19"/>
+    <p:sldId id="284" r:id="rId20"/>
+    <p:sldId id="288" r:id="rId21"/>
+    <p:sldId id="289" r:id="rId22"/>
+    <p:sldId id="285" r:id="rId23"/>
+    <p:sldId id="286" r:id="rId24"/>
+    <p:sldId id="287" r:id="rId25"/>
+    <p:sldId id="290" r:id="rId26"/>
+    <p:sldId id="265" r:id="rId27"/>
+    <p:sldId id="267" r:id="rId28"/>
+    <p:sldId id="268" r:id="rId29"/>
+    <p:sldId id="269" r:id="rId30"/>
+    <p:sldId id="270" r:id="rId31"/>
+    <p:sldId id="271" r:id="rId32"/>
+    <p:sldId id="272" r:id="rId33"/>
+    <p:sldId id="273" r:id="rId34"/>
+    <p:sldId id="274" r:id="rId35"/>
+    <p:sldId id="275" r:id="rId36"/>
+    <p:sldId id="276" r:id="rId37"/>
+    <p:sldId id="277" r:id="rId38"/>
+    <p:sldId id="278" r:id="rId39"/>
   </p:sldIdLst>
   <p:sldSz cx="12192000" cy="6858000"/>
   <p:notesSz cx="6858000" cy="9144000"/>
@@ -127,6 +139,49 @@
     </a:lvl9pPr>
   </p:defaultTextStyle>
   <p:extLst>
+    <p:ext uri="{521415D9-36F7-43E2-AB2F-B90AF26B5E84}">
+      <p14:sectionLst xmlns:p14="http://schemas.microsoft.com/office/powerpoint/2010/main">
+        <p14:section name="Раздел по умолчанию" id="{F0569525-08C6-44C5-A38F-57E670845596}">
+          <p14:sldIdLst>
+            <p14:sldId id="256"/>
+            <p14:sldId id="257"/>
+            <p14:sldId id="258"/>
+            <p14:sldId id="259"/>
+            <p14:sldId id="260"/>
+            <p14:sldId id="261"/>
+            <p14:sldId id="262"/>
+            <p14:sldId id="266"/>
+            <p14:sldId id="263"/>
+            <p14:sldId id="264"/>
+            <p14:sldId id="279"/>
+            <p14:sldId id="280"/>
+            <p14:sldId id="282"/>
+            <p14:sldId id="281"/>
+            <p14:sldId id="283"/>
+            <p14:sldId id="284"/>
+            <p14:sldId id="288"/>
+            <p14:sldId id="289"/>
+            <p14:sldId id="285"/>
+            <p14:sldId id="286"/>
+            <p14:sldId id="287"/>
+            <p14:sldId id="290"/>
+            <p14:sldId id="265"/>
+            <p14:sldId id="267"/>
+            <p14:sldId id="268"/>
+            <p14:sldId id="269"/>
+            <p14:sldId id="270"/>
+            <p14:sldId id="271"/>
+            <p14:sldId id="272"/>
+            <p14:sldId id="273"/>
+            <p14:sldId id="274"/>
+            <p14:sldId id="275"/>
+            <p14:sldId id="276"/>
+            <p14:sldId id="277"/>
+            <p14:sldId id="278"/>
+          </p14:sldIdLst>
+        </p14:section>
+      </p14:sectionLst>
+    </p:ext>
     <p:ext uri="{EFAFB233-063F-42B5-8137-9DF3F51BA10A}">
       <p15:sldGuideLst xmlns:p15="http://schemas.microsoft.com/office/powerpoint/2012/main"/>
     </p:ext>
@@ -137,7 +192,7 @@
 <file path=ppt/revisionInfo.xml><?xml version="1.0" encoding="utf-8"?>
 <p1510:revInfo xmlns:a="http://schemas.openxmlformats.org/drawingml/2006/main" xmlns:r="http://schemas.openxmlformats.org/officeDocument/2006/relationships" xmlns:p1510="http://schemas.microsoft.com/office/powerpoint/2015/10/main">
   <p1510:revLst>
-    <p1510:client id="{2A475B01-5E9A-4B93-BB59-BA5F52753201}" v="5" dt="2021-05-29T18:05:15.261"/>
+    <p1510:client id="{2A475B01-5E9A-4B93-BB59-BA5F52753201}" v="10" dt="2021-06-26T13:50:03.194"/>
   </p1510:revLst>
 </p1510:revInfo>
 </file>
@@ -289,7 +344,7 @@
           <a:p>
             <a:fld id="{76969C88-B244-455D-A017-012B25B1ACDD}" type="datetimeFigureOut">
               <a:rPr lang="en-US" smtClean="0"/>
-              <a:t>6/17/2021</a:t>
+              <a:t>6/26/2021</a:t>
             </a:fld>
             <a:endParaRPr lang="en-US"/>
           </a:p>
@@ -487,7 +542,7 @@
           <a:p>
             <a:fld id="{76969C88-B244-455D-A017-012B25B1ACDD}" type="datetimeFigureOut">
               <a:rPr lang="en-US" smtClean="0"/>
-              <a:t>6/17/2021</a:t>
+              <a:t>6/26/2021</a:t>
             </a:fld>
             <a:endParaRPr lang="en-US"/>
           </a:p>
@@ -695,7 +750,7 @@
           <a:p>
             <a:fld id="{76969C88-B244-455D-A017-012B25B1ACDD}" type="datetimeFigureOut">
               <a:rPr lang="en-US" smtClean="0"/>
-              <a:t>6/17/2021</a:t>
+              <a:t>6/26/2021</a:t>
             </a:fld>
             <a:endParaRPr lang="en-US"/>
           </a:p>
@@ -894,7 +949,7 @@
           <a:p>
             <a:fld id="{76969C88-B244-455D-A017-012B25B1ACDD}" type="datetimeFigureOut">
               <a:rPr lang="en-US" smtClean="0"/>
-              <a:t>6/17/2021</a:t>
+              <a:t>6/26/2021</a:t>
             </a:fld>
             <a:endParaRPr lang="en-US"/>
           </a:p>
@@ -1169,7 +1224,7 @@
           <a:p>
             <a:fld id="{76969C88-B244-455D-A017-012B25B1ACDD}" type="datetimeFigureOut">
               <a:rPr lang="en-US" smtClean="0"/>
-              <a:t>6/17/2021</a:t>
+              <a:t>6/26/2021</a:t>
             </a:fld>
             <a:endParaRPr lang="en-US"/>
           </a:p>
@@ -1434,7 +1489,7 @@
           <a:p>
             <a:fld id="{76969C88-B244-455D-A017-012B25B1ACDD}" type="datetimeFigureOut">
               <a:rPr lang="en-US" smtClean="0"/>
-              <a:t>6/17/2021</a:t>
+              <a:t>6/26/2021</a:t>
             </a:fld>
             <a:endParaRPr lang="en-US"/>
           </a:p>
@@ -1846,7 +1901,7 @@
           <a:p>
             <a:fld id="{76969C88-B244-455D-A017-012B25B1ACDD}" type="datetimeFigureOut">
               <a:rPr lang="en-US" smtClean="0"/>
-              <a:t>6/17/2021</a:t>
+              <a:t>6/26/2021</a:t>
             </a:fld>
             <a:endParaRPr lang="en-US"/>
           </a:p>
@@ -1987,7 +2042,7 @@
           <a:p>
             <a:fld id="{76969C88-B244-455D-A017-012B25B1ACDD}" type="datetimeFigureOut">
               <a:rPr lang="en-US" smtClean="0"/>
-              <a:t>6/17/2021</a:t>
+              <a:t>6/26/2021</a:t>
             </a:fld>
             <a:endParaRPr lang="en-US"/>
           </a:p>
@@ -2100,7 +2155,7 @@
           <a:p>
             <a:fld id="{76969C88-B244-455D-A017-012B25B1ACDD}" type="datetimeFigureOut">
               <a:rPr lang="en-US" smtClean="0"/>
-              <a:t>6/17/2021</a:t>
+              <a:t>6/26/2021</a:t>
             </a:fld>
             <a:endParaRPr lang="en-US"/>
           </a:p>
@@ -2412,7 +2467,7 @@
           <a:p>
             <a:fld id="{76969C88-B244-455D-A017-012B25B1ACDD}" type="datetimeFigureOut">
               <a:rPr lang="en-US" smtClean="0"/>
-              <a:t>6/17/2021</a:t>
+              <a:t>6/26/2021</a:t>
             </a:fld>
             <a:endParaRPr lang="en-US"/>
           </a:p>
@@ -2703,7 +2758,7 @@
           <a:p>
             <a:fld id="{76969C88-B244-455D-A017-012B25B1ACDD}" type="datetimeFigureOut">
               <a:rPr lang="en-US" smtClean="0"/>
-              <a:t>6/17/2021</a:t>
+              <a:t>6/26/2021</a:t>
             </a:fld>
             <a:endParaRPr lang="en-US"/>
           </a:p>
@@ -3459,7 +3514,7 @@
             <a:fld id="{76969C88-B244-455D-A017-012B25B1ACDD}" type="datetimeFigureOut">
               <a:rPr lang="en-US" smtClean="0"/>
               <a:pPr/>
-              <a:t>6/17/2021</a:t>
+              <a:t>6/26/2021</a:t>
             </a:fld>
             <a:endParaRPr lang="en-US"/>
           </a:p>
@@ -4473,7 +4528,14 @@
             <a:pPr algn="l"/>
             <a:r>
               <a:rPr lang="ru-RU" sz="3700" dirty="0"/>
-              <a:t>Модернизация управления проектами ИТ в ПАО «Альфа-Омега»</a:t>
+              <a:t>Модернизация управления проектами ИТ в </a:t>
+            </a:r>
+            <a:br>
+              <a:rPr lang="ru-RU" sz="3700" dirty="0"/>
+            </a:br>
+            <a:r>
+              <a:rPr lang="ru-RU" sz="3700" dirty="0"/>
+              <a:t>ПАО «Альфа-Омега»</a:t>
             </a:r>
           </a:p>
         </p:txBody>
@@ -4613,7 +4675,7 @@
           <p:cNvPr id="2" name="Заголовок 1">
             <a:extLst>
               <a:ext uri="{FF2B5EF4-FFF2-40B4-BE49-F238E27FC236}">
-                <a16:creationId xmlns:a16="http://schemas.microsoft.com/office/drawing/2014/main" id="{6349A58E-DF2F-4B7D-81B8-3C7DAC608E58}"/>
+                <a16:creationId xmlns:a16="http://schemas.microsoft.com/office/drawing/2014/main" id="{EE9F7DD7-C49B-4CEE-9352-73C4D2272263}"/>
               </a:ext>
             </a:extLst>
           </p:cNvPr>
@@ -4631,7 +4693,7 @@
           <a:p>
             <a:r>
               <a:rPr lang="ru-RU" dirty="0"/>
-              <a:t>Провести комплексное обследование ИБ в компании</a:t>
+              <a:t>Контролирование действий сотрудников</a:t>
             </a:r>
           </a:p>
         </p:txBody>
@@ -4641,7 +4703,7 @@
           <p:cNvPr id="3" name="Объект 2">
             <a:extLst>
               <a:ext uri="{FF2B5EF4-FFF2-40B4-BE49-F238E27FC236}">
-                <a16:creationId xmlns:a16="http://schemas.microsoft.com/office/drawing/2014/main" id="{4BA0BDE6-9659-4751-8E7E-1842CB9650EF}"/>
+                <a16:creationId xmlns:a16="http://schemas.microsoft.com/office/drawing/2014/main" id="{8F6F65FC-5B33-4CB4-88B8-D04F15CC3ED0}"/>
               </a:ext>
             </a:extLst>
           </p:cNvPr>
@@ -4655,27 +4717,44 @@
         <p:spPr/>
         <p:txBody>
           <a:bodyPr>
-            <a:normAutofit fontScale="77500" lnSpcReduction="20000"/>
+            <a:normAutofit/>
           </a:bodyPr>
           <a:lstStyle/>
           <a:p>
             <a:r>
               <a:rPr lang="ru-RU" dirty="0"/>
-              <a:t>Так как разрабатываемые нашими разработчиками программные продукты используются повсеместно, то необходимо провести комплексное диагностическое обследование системы информационной безопасности на предприятии.</a:t>
-            </a:r>
-          </a:p>
-          <a:p>
-            <a:r>
-              <a:rPr lang="ru-RU" dirty="0"/>
-              <a:t>Обследование (аудит) существующей системы информационной безопасности позволит установить, соответствует ли уровень безопасности информационно-технологических ресурсов компании выдвигаемым требованиям, то есть обеспечиваются ли необходимые параметры конфиденциальности, целостности и доступности ресурсов информационной системы.</a:t>
-            </a:r>
+              <a:t>Система ИБ на предприятии должная обеспечивать контроль за действиями всех привилегированных сотрудников, ведь каждый привилегированный сотрудник представляет угрозу безопасности.</a:t>
+            </a:r>
+          </a:p>
+          <a:p>
+            <a:r>
+              <a:rPr lang="ru-RU" dirty="0"/>
+              <a:t>Для этого необходимо наличие </a:t>
+            </a:r>
+            <a:r>
+              <a:rPr lang="en-US" dirty="0"/>
+              <a:t>PAM </a:t>
+            </a:r>
+            <a:r>
+              <a:rPr lang="ru-RU" dirty="0"/>
+              <a:t>системы, которая позволила бы контролировать действия пользователей.</a:t>
+            </a:r>
+          </a:p>
+          <a:p>
+            <a:endParaRPr lang="ru-RU" dirty="0"/>
+          </a:p>
+          <a:p>
+            <a:endParaRPr lang="ru-RU" dirty="0"/>
+          </a:p>
+          <a:p>
+            <a:endParaRPr lang="ru-RU" dirty="0"/>
           </a:p>
         </p:txBody>
       </p:sp>
     </p:spTree>
     <p:extLst>
       <p:ext uri="{BB962C8B-B14F-4D97-AF65-F5344CB8AC3E}">
-        <p14:creationId xmlns:p14="http://schemas.microsoft.com/office/powerpoint/2010/main" val="3912149733"/>
+        <p14:creationId xmlns:p14="http://schemas.microsoft.com/office/powerpoint/2010/main" val="1088721056"/>
       </p:ext>
     </p:extLst>
   </p:cSld>
@@ -4704,46 +4783,133 @@
       </p:grpSpPr>
       <p:sp>
         <p:nvSpPr>
-          <p:cNvPr id="3" name="Объект 2">
-            <a:extLst>
-              <a:ext uri="{FF2B5EF4-FFF2-40B4-BE49-F238E27FC236}">
-                <a16:creationId xmlns:a16="http://schemas.microsoft.com/office/drawing/2014/main" id="{66D8E37B-ABB8-48F7-9056-0412FA589E82}"/>
-              </a:ext>
-            </a:extLst>
-          </p:cNvPr>
-          <p:cNvSpPr>
-            <a:spLocks noGrp="1"/>
-          </p:cNvSpPr>
-          <p:nvPr>
-            <p:ph idx="1"/>
+          <p:cNvPr id="2" name="Заголовок 1">
+            <a:extLst>
+              <a:ext uri="{FF2B5EF4-FFF2-40B4-BE49-F238E27FC236}">
+                <a16:creationId xmlns:a16="http://schemas.microsoft.com/office/drawing/2014/main" id="{EE9F7DD7-C49B-4CEE-9352-73C4D2272263}"/>
+              </a:ext>
+            </a:extLst>
+          </p:cNvPr>
+          <p:cNvSpPr>
+            <a:spLocks noGrp="1"/>
+          </p:cNvSpPr>
+          <p:nvPr>
+            <p:ph type="title"/>
           </p:nvPr>
         </p:nvSpPr>
         <p:spPr>
           <a:xfrm>
-            <a:off x="762000" y="790832"/>
-            <a:ext cx="10668000" cy="5313251"/>
+            <a:off x="762000" y="304801"/>
+            <a:ext cx="10668000" cy="1524000"/>
           </a:xfrm>
         </p:spPr>
         <p:txBody>
+          <a:bodyPr/>
+          <a:lstStyle/>
+          <a:p>
+            <a:r>
+              <a:rPr lang="ru-RU" dirty="0"/>
+              <a:t>Основные задачи </a:t>
+            </a:r>
+            <a:r>
+              <a:rPr lang="en-US" dirty="0"/>
+              <a:t>PAM</a:t>
+            </a:r>
+            <a:endParaRPr lang="ru-RU" dirty="0"/>
+          </a:p>
+        </p:txBody>
+      </p:sp>
+      <p:sp>
+        <p:nvSpPr>
+          <p:cNvPr id="3" name="Объект 2">
+            <a:extLst>
+              <a:ext uri="{FF2B5EF4-FFF2-40B4-BE49-F238E27FC236}">
+                <a16:creationId xmlns:a16="http://schemas.microsoft.com/office/drawing/2014/main" id="{8F6F65FC-5B33-4CB4-88B8-D04F15CC3ED0}"/>
+              </a:ext>
+            </a:extLst>
+          </p:cNvPr>
+          <p:cNvSpPr>
+            <a:spLocks noGrp="1"/>
+          </p:cNvSpPr>
+          <p:nvPr>
+            <p:ph idx="1"/>
+          </p:nvPr>
+        </p:nvSpPr>
+        <p:spPr>
+          <a:xfrm>
+            <a:off x="762000" y="1643449"/>
+            <a:ext cx="10668000" cy="4769707"/>
+          </a:xfrm>
+        </p:spPr>
+        <p:txBody>
           <a:bodyPr>
-            <a:normAutofit/>
+            <a:normAutofit fontScale="70000" lnSpcReduction="20000"/>
           </a:bodyPr>
           <a:lstStyle/>
           <a:p>
             <a:r>
               <a:rPr lang="ru-RU" dirty="0"/>
-              <a:t>В ходе диагностического обследования необходимо провести анализ рисков. Для проверки способности информационной системы противостоять попыткам несанкционированного доступа и воздействия на информацию также необходимо выполнить тесты на проникновение.</a:t>
-            </a:r>
-          </a:p>
-          <a:p>
-            <a:endParaRPr lang="ru-RU" dirty="0"/>
+              <a:t>Идентификация и аутентификация пользователей с расширенным набором прав.</a:t>
+            </a:r>
+          </a:p>
+          <a:p>
+            <a:r>
+              <a:rPr lang="ru-RU" dirty="0"/>
+              <a:t>Мониторинг деятельности владельцев административных аккаунтов, сбор статистики и ведение журнала их работы.</a:t>
+            </a:r>
+          </a:p>
+          <a:p>
+            <a:r>
+              <a:rPr lang="ru-RU" dirty="0"/>
+              <a:t>Оперативный анализ аномальной активности привилегированных пользователей, выявление действий, которые могут нести угрозу информационной безопасности, и их блокировка.</a:t>
+            </a:r>
+          </a:p>
+          <a:p>
+            <a:r>
+              <a:rPr lang="ru-RU" dirty="0"/>
+              <a:t>Организация защищённого хранилища учётных записей и предоставление единой точки входа с наличием многофакторной авторизации и других механизмов.</a:t>
+            </a:r>
+          </a:p>
+          <a:p>
+            <a:r>
+              <a:rPr lang="ru-RU" dirty="0"/>
+              <a:t>Адаптивное понижение разрешений, выданных привилегированным пользователям, до уровня, который достаточен для выполнения определённой задачи.</a:t>
+            </a:r>
+          </a:p>
+          <a:p>
+            <a:r>
+              <a:rPr lang="ru-RU" dirty="0"/>
+              <a:t>Блокировка использования неизменяемых логинов и паролей в сторонних приложениях.</a:t>
+            </a:r>
+          </a:p>
+          <a:p>
+            <a:r>
+              <a:rPr lang="ru-RU" dirty="0"/>
+              <a:t>Уход от бесконтрольного использования разделяемых учетных записей (вроде </a:t>
+            </a:r>
+            <a:r>
+              <a:rPr lang="ru-RU" dirty="0" err="1"/>
+              <a:t>root</a:t>
+            </a:r>
+            <a:r>
+              <a:rPr lang="ru-RU" dirty="0"/>
+              <a:t> и </a:t>
+            </a:r>
+            <a:r>
+              <a:rPr lang="ru-RU" dirty="0" err="1"/>
+              <a:t>admin</a:t>
+            </a:r>
+            <a:r>
+              <a:rPr lang="ru-RU" dirty="0"/>
+              <a:t>).</a:t>
+            </a:r>
           </a:p>
         </p:txBody>
       </p:sp>
     </p:spTree>
     <p:extLst>
       <p:ext uri="{BB962C8B-B14F-4D97-AF65-F5344CB8AC3E}">
-        <p14:creationId xmlns:p14="http://schemas.microsoft.com/office/powerpoint/2010/main" val="4252297030"/>
+        <p14:creationId xmlns:p14="http://schemas.microsoft.com/office/powerpoint/2010/main" val="2770043317"/>
       </p:ext>
     </p:extLst>
   </p:cSld>
@@ -4775,7 +4941,7 @@
           <p:cNvPr id="2" name="Заголовок 1">
             <a:extLst>
               <a:ext uri="{FF2B5EF4-FFF2-40B4-BE49-F238E27FC236}">
-                <a16:creationId xmlns:a16="http://schemas.microsoft.com/office/drawing/2014/main" id="{FD9F6CEA-D41F-4077-A98F-8958AAD36E85}"/>
+                <a16:creationId xmlns:a16="http://schemas.microsoft.com/office/drawing/2014/main" id="{EE9F7DD7-C49B-4CEE-9352-73C4D2272263}"/>
               </a:ext>
             </a:extLst>
           </p:cNvPr>
@@ -4786,15 +4952,25 @@
             <p:ph type="title"/>
           </p:nvPr>
         </p:nvSpPr>
-        <p:spPr/>
+        <p:spPr>
+          <a:xfrm>
+            <a:off x="762000" y="304801"/>
+            <a:ext cx="10668000" cy="1524000"/>
+          </a:xfrm>
+        </p:spPr>
         <p:txBody>
           <a:bodyPr/>
           <a:lstStyle/>
           <a:p>
             <a:r>
               <a:rPr lang="ru-RU" dirty="0"/>
-              <a:t>Описание и анализ существующих ИТ ресурсов, сервисов, бизнес процессов</a:t>
-            </a:r>
+              <a:t>Возможные системы </a:t>
+            </a:r>
+            <a:r>
+              <a:rPr lang="en-US" dirty="0"/>
+              <a:t>PAM</a:t>
+            </a:r>
+            <a:endParaRPr lang="ru-RU" dirty="0"/>
           </a:p>
         </p:txBody>
       </p:sp>
@@ -4803,7 +4979,7 @@
           <p:cNvPr id="3" name="Объект 2">
             <a:extLst>
               <a:ext uri="{FF2B5EF4-FFF2-40B4-BE49-F238E27FC236}">
-                <a16:creationId xmlns:a16="http://schemas.microsoft.com/office/drawing/2014/main" id="{43BABAA2-3E53-48B1-8094-9BBA80A9A0B2}"/>
+                <a16:creationId xmlns:a16="http://schemas.microsoft.com/office/drawing/2014/main" id="{8F6F65FC-5B33-4CB4-88B8-D04F15CC3ED0}"/>
               </a:ext>
             </a:extLst>
           </p:cNvPr>
@@ -4814,16 +4990,50 @@
             <p:ph idx="1"/>
           </p:nvPr>
         </p:nvSpPr>
-        <p:spPr/>
+        <p:spPr>
+          <a:xfrm>
+            <a:off x="762000" y="1643449"/>
+            <a:ext cx="10668000" cy="4769707"/>
+          </a:xfrm>
+        </p:spPr>
         <p:txBody>
           <a:bodyPr>
-            <a:normAutofit fontScale="92500" lnSpcReduction="10000"/>
+            <a:normAutofit/>
           </a:bodyPr>
           <a:lstStyle/>
           <a:p>
             <a:r>
-              <a:rPr lang="ru-RU" dirty="0"/>
-              <a:t>В процессе обследования и анализа системы информационной безопасности также идентифицируются «владельцы» ИТ-ресурсов (включая автоматизированные системы и корпоративные данные) и лица, ответственные за целостность этих ресурсов. Устанавливаются требования к системе разделения прав доступа (пароли, разрешения), включая все правила доступа к информационной системе компании. Информационные активы классифицируются по степени важности/критичности.</a:t>
+              <a:rPr lang="en-US" dirty="0" err="1"/>
+              <a:t>Krontech</a:t>
+            </a:r>
+            <a:r>
+              <a:rPr lang="en-US" dirty="0"/>
+              <a:t> Single Connect</a:t>
+            </a:r>
+            <a:endParaRPr lang="ru-RU" dirty="0"/>
+          </a:p>
+          <a:p>
+            <a:r>
+              <a:rPr lang="en-US" dirty="0"/>
+              <a:t>One Identity Safeguard</a:t>
+            </a:r>
+            <a:endParaRPr lang="ru-RU" dirty="0"/>
+          </a:p>
+          <a:p>
+            <a:r>
+              <a:rPr lang="en-US" dirty="0"/>
+              <a:t>Indeed Privileged Access Manager</a:t>
+            </a:r>
+            <a:endParaRPr lang="ru-RU" dirty="0"/>
+          </a:p>
+          <a:p>
+            <a:r>
+              <a:rPr lang="ru-RU" dirty="0" err="1"/>
+              <a:t>Zecurion</a:t>
+            </a:r>
+            <a:r>
+              <a:rPr lang="ru-RU" dirty="0"/>
+              <a:t> PAM</a:t>
             </a:r>
           </a:p>
         </p:txBody>
@@ -4831,7 +5041,7 @@
     </p:spTree>
     <p:extLst>
       <p:ext uri="{BB962C8B-B14F-4D97-AF65-F5344CB8AC3E}">
-        <p14:creationId xmlns:p14="http://schemas.microsoft.com/office/powerpoint/2010/main" val="1838429447"/>
+        <p14:creationId xmlns:p14="http://schemas.microsoft.com/office/powerpoint/2010/main" val="3034110477"/>
       </p:ext>
     </p:extLst>
   </p:cSld>
@@ -4860,10 +5070,38 @@
       </p:grpSpPr>
       <p:sp>
         <p:nvSpPr>
+          <p:cNvPr id="2" name="Заголовок 1">
+            <a:extLst>
+              <a:ext uri="{FF2B5EF4-FFF2-40B4-BE49-F238E27FC236}">
+                <a16:creationId xmlns:a16="http://schemas.microsoft.com/office/drawing/2014/main" id="{EE9F7DD7-C49B-4CEE-9352-73C4D2272263}"/>
+              </a:ext>
+            </a:extLst>
+          </p:cNvPr>
+          <p:cNvSpPr>
+            <a:spLocks noGrp="1"/>
+          </p:cNvSpPr>
+          <p:nvPr>
+            <p:ph type="title"/>
+          </p:nvPr>
+        </p:nvSpPr>
+        <p:spPr/>
+        <p:txBody>
+          <a:bodyPr/>
+          <a:lstStyle/>
+          <a:p>
+            <a:r>
+              <a:rPr lang="ru-RU" dirty="0"/>
+              <a:t>Контролирование действий сотрудников</a:t>
+            </a:r>
+          </a:p>
+        </p:txBody>
+      </p:sp>
+      <p:sp>
+        <p:nvSpPr>
           <p:cNvPr id="3" name="Объект 2">
             <a:extLst>
               <a:ext uri="{FF2B5EF4-FFF2-40B4-BE49-F238E27FC236}">
-                <a16:creationId xmlns:a16="http://schemas.microsoft.com/office/drawing/2014/main" id="{66D8E37B-ABB8-48F7-9056-0412FA589E82}"/>
+                <a16:creationId xmlns:a16="http://schemas.microsoft.com/office/drawing/2014/main" id="{8F6F65FC-5B33-4CB4-88B8-D04F15CC3ED0}"/>
               </a:ext>
             </a:extLst>
           </p:cNvPr>
@@ -4874,12 +5112,7 @@
             <p:ph idx="1"/>
           </p:nvPr>
         </p:nvSpPr>
-        <p:spPr>
-          <a:xfrm>
-            <a:off x="762000" y="790832"/>
-            <a:ext cx="10668000" cy="5313251"/>
-          </a:xfrm>
-        </p:spPr>
+        <p:spPr/>
         <p:txBody>
           <a:bodyPr>
             <a:normAutofit fontScale="92500" lnSpcReduction="10000"/>
@@ -4888,21 +5121,48 @@
           <a:p>
             <a:r>
               <a:rPr lang="ru-RU" dirty="0"/>
-              <a:t>Проверяются все процедуры безопасности, в том числе поддержка системы ИБ, процесс расследования нарушений ИБ, организация системы резервного копирования, разграничение прав пользователей, процедуры удаленного доступа, защиты учетных записей и др. Определяются лица, ответственные за развитие и поддержку системы ИБ.</a:t>
-            </a:r>
-          </a:p>
-          <a:p>
-            <a:r>
-              <a:rPr lang="ru-RU" dirty="0"/>
-              <a:t>В ходе анализа и моделирования возможных сценариев атак на систему ИБ выявляются ситуации, которые могут привести к нарушению нормального «течения» бизнес-процессов. Определяются возможные последствия несоответствия системы ИБ политике безопасности компании.</a:t>
-            </a:r>
+              <a:t>Весь код, написанный разработчиками, необходимо контролировать. </a:t>
+            </a:r>
+            <a:r>
+              <a:rPr lang="en-US" dirty="0"/>
+              <a:t> </a:t>
+            </a:r>
+          </a:p>
+          <a:p>
+            <a:r>
+              <a:rPr lang="ru-RU" dirty="0"/>
+              <a:t>Разработчики могут внедрять уязвимости в разрабатываемый программный код намеренно или случайно.</a:t>
+            </a:r>
+          </a:p>
+          <a:p>
+            <a:r>
+              <a:rPr lang="ru-RU" dirty="0"/>
+              <a:t>Во избежание намеренного внедрения необходимо проводить код </a:t>
+            </a:r>
+            <a:r>
+              <a:rPr lang="ru-RU" dirty="0" err="1"/>
+              <a:t>ревью</a:t>
+            </a:r>
+            <a:r>
+              <a:rPr lang="ru-RU" dirty="0"/>
+              <a:t>, использовать сканеры уязвимостей, анализаторы кода.</a:t>
+            </a:r>
+          </a:p>
+          <a:p>
+            <a:r>
+              <a:rPr lang="ru-RU" dirty="0"/>
+              <a:t>Также необходимо проводить обучение сотрудников навыкам безопасного программирования.</a:t>
+            </a:r>
+          </a:p>
+          <a:p>
+            <a:endParaRPr lang="ru-RU" dirty="0"/>
           </a:p>
         </p:txBody>
       </p:sp>
     </p:spTree>
     <p:extLst>
       <p:ext uri="{BB962C8B-B14F-4D97-AF65-F5344CB8AC3E}">
-        <p14:creationId xmlns:p14="http://schemas.microsoft.com/office/powerpoint/2010/main" val="2174871718"/>
+        <p14:creationId xmlns:p14="http://schemas.microsoft.com/office/powerpoint/2010/main" val="3396454247"/>
       </p:ext>
     </p:extLst>
   </p:cSld>
@@ -4931,10 +5191,38 @@
       </p:grpSpPr>
       <p:sp>
         <p:nvSpPr>
+          <p:cNvPr id="2" name="Заголовок 1">
+            <a:extLst>
+              <a:ext uri="{FF2B5EF4-FFF2-40B4-BE49-F238E27FC236}">
+                <a16:creationId xmlns:a16="http://schemas.microsoft.com/office/drawing/2014/main" id="{EE9F7DD7-C49B-4CEE-9352-73C4D2272263}"/>
+              </a:ext>
+            </a:extLst>
+          </p:cNvPr>
+          <p:cNvSpPr>
+            <a:spLocks noGrp="1"/>
+          </p:cNvSpPr>
+          <p:nvPr>
+            <p:ph type="title"/>
+          </p:nvPr>
+        </p:nvSpPr>
+        <p:spPr/>
+        <p:txBody>
+          <a:bodyPr/>
+          <a:lstStyle/>
+          <a:p>
+            <a:r>
+              <a:rPr lang="ru-RU" dirty="0"/>
+              <a:t>Возможные решения сканеров кода и анализаторов уязвимостей</a:t>
+            </a:r>
+          </a:p>
+        </p:txBody>
+      </p:sp>
+      <p:sp>
+        <p:nvSpPr>
           <p:cNvPr id="3" name="Объект 2">
             <a:extLst>
               <a:ext uri="{FF2B5EF4-FFF2-40B4-BE49-F238E27FC236}">
-                <a16:creationId xmlns:a16="http://schemas.microsoft.com/office/drawing/2014/main" id="{66D8E37B-ABB8-48F7-9056-0412FA589E82}"/>
+                <a16:creationId xmlns:a16="http://schemas.microsoft.com/office/drawing/2014/main" id="{8F6F65FC-5B33-4CB4-88B8-D04F15CC3ED0}"/>
               </a:ext>
             </a:extLst>
           </p:cNvPr>
@@ -4945,27 +5233,53 @@
             <p:ph idx="1"/>
           </p:nvPr>
         </p:nvSpPr>
-        <p:spPr>
-          <a:xfrm>
-            <a:off x="762000" y="790832"/>
-            <a:ext cx="10668000" cy="5313251"/>
-          </a:xfrm>
-        </p:spPr>
+        <p:spPr/>
         <p:txBody>
           <a:bodyPr>
-            <a:normAutofit fontScale="92500"/>
+            <a:normAutofit/>
           </a:bodyPr>
           <a:lstStyle/>
           <a:p>
             <a:r>
-              <a:rPr lang="ru-RU" dirty="0"/>
-              <a:t>В результате руководителям и заинтересованным менеджерам будет предоставлен детальный отчет с рекомендациями по изменению или дополнению существующей инфраструктуры системы ИБ. </a:t>
-            </a:r>
-          </a:p>
-          <a:p>
-            <a:r>
-              <a:rPr lang="ru-RU" dirty="0"/>
-              <a:t>Будет сопоставлен список необходимых мероприятий по обеспечению информационной безопасности в соответствии с требованиями международных (ISO 17799, ISO 13335) или национальных стандартов (Стандарт ЦБ РФ, СТР-К, NIST SP800-14, BSI и др.), техническими требованиями поставщиков решений в области ИБ (CISCO, Check Point и др.), рекомендациями NSA (National Security Agency).</a:t>
+              <a:rPr lang="en-US" dirty="0"/>
+              <a:t>Fortify Static Code Analyzer</a:t>
+            </a:r>
+            <a:endParaRPr lang="ru-RU" dirty="0"/>
+          </a:p>
+          <a:p>
+            <a:r>
+              <a:rPr lang="en-US" dirty="0" err="1"/>
+              <a:t>Checkmarx</a:t>
+            </a:r>
+            <a:r>
+              <a:rPr lang="en-US" dirty="0"/>
+              <a:t> </a:t>
+            </a:r>
+            <a:r>
+              <a:rPr lang="en-US" dirty="0" err="1"/>
+              <a:t>CxSAST</a:t>
+            </a:r>
+            <a:endParaRPr lang="ru-RU" dirty="0"/>
+          </a:p>
+          <a:p>
+            <a:r>
+              <a:rPr lang="ru-RU" dirty="0" err="1"/>
+              <a:t>Solar</a:t>
+            </a:r>
+            <a:r>
+              <a:rPr lang="ru-RU" dirty="0"/>
+              <a:t> </a:t>
+            </a:r>
+            <a:r>
+              <a:rPr lang="ru-RU" dirty="0" err="1"/>
+              <a:t>inCode</a:t>
+            </a:r>
+            <a:endParaRPr lang="ru-RU" dirty="0"/>
+          </a:p>
+          <a:p>
+            <a:r>
+              <a:rPr lang="fr-FR" dirty="0"/>
+              <a:t>IBM App Scan Source</a:t>
             </a:r>
           </a:p>
         </p:txBody>
@@ -4973,7 +5287,7 @@
     </p:spTree>
     <p:extLst>
       <p:ext uri="{BB962C8B-B14F-4D97-AF65-F5344CB8AC3E}">
-        <p14:creationId xmlns:p14="http://schemas.microsoft.com/office/powerpoint/2010/main" val="1538190550"/>
+        <p14:creationId xmlns:p14="http://schemas.microsoft.com/office/powerpoint/2010/main" val="4180346550"/>
       </p:ext>
     </p:extLst>
   </p:cSld>
@@ -5023,7 +5337,7 @@
           <a:p>
             <a:r>
               <a:rPr lang="ru-RU" dirty="0"/>
-              <a:t>Проектирование системы ИБ</a:t>
+              <a:t>Возможные решения по обучению сотрудников</a:t>
             </a:r>
           </a:p>
         </p:txBody>
@@ -5047,39 +5361,89 @@
         <p:spPr/>
         <p:txBody>
           <a:bodyPr>
-            <a:normAutofit fontScale="92500" lnSpcReduction="10000"/>
+            <a:normAutofit/>
           </a:bodyPr>
           <a:lstStyle/>
           <a:p>
             <a:r>
               <a:rPr lang="ru-RU" dirty="0"/>
-              <a:t>В первую очередь необходимо разработать Концепцию обеспечения информационной безопасности. </a:t>
-            </a:r>
-          </a:p>
-          <a:p>
-            <a:r>
-              <a:rPr lang="ru-RU" dirty="0"/>
-              <a:t>Определить основные цели, задачи и требования, а также общую стратегию построения системы ИБ. </a:t>
-            </a:r>
-          </a:p>
-          <a:p>
-            <a:r>
-              <a:rPr lang="ru-RU" dirty="0"/>
-              <a:t>Идентифицировать критичные информационные ресурсы. </a:t>
-            </a:r>
-          </a:p>
-          <a:p>
-            <a:r>
-              <a:rPr lang="ru-RU" dirty="0"/>
-              <a:t>Выработать требования к системе ИБ и определить базовые подходы к их реализации.</a:t>
-            </a:r>
+              <a:t>Курс УЦ </a:t>
+            </a:r>
+            <a:r>
+              <a:rPr lang="ru-RU" dirty="0" err="1"/>
+              <a:t>Информзащита</a:t>
+            </a:r>
+            <a:r>
+              <a:rPr lang="ru-RU" dirty="0"/>
+              <a:t> </a:t>
+            </a:r>
+            <a:r>
+              <a:rPr lang="en-US" dirty="0"/>
+              <a:t>“</a:t>
+            </a:r>
+            <a:r>
+              <a:rPr lang="ru-RU" dirty="0"/>
+              <a:t>Защищенное программирование</a:t>
+            </a:r>
+            <a:r>
+              <a:rPr lang="en-US" dirty="0"/>
+              <a:t>”</a:t>
+            </a:r>
+          </a:p>
+          <a:p>
+            <a:r>
+              <a:rPr lang="ru-RU" dirty="0"/>
+              <a:t>Курс </a:t>
+            </a:r>
+            <a:r>
+              <a:rPr lang="en-US" dirty="0"/>
+              <a:t>Cisco Secure Development </a:t>
+            </a:r>
+            <a:r>
+              <a:rPr lang="en-US" dirty="0" err="1"/>
+              <a:t>Lifecysle</a:t>
+            </a:r>
+            <a:r>
+              <a:rPr lang="ru-RU" dirty="0"/>
+              <a:t> (</a:t>
+            </a:r>
+            <a:r>
+              <a:rPr lang="en-US" dirty="0"/>
+              <a:t>CSDL</a:t>
+            </a:r>
+            <a:r>
+              <a:rPr lang="ru-RU" dirty="0"/>
+              <a:t>)</a:t>
+            </a:r>
+          </a:p>
+          <a:p>
+            <a:r>
+              <a:rPr lang="ru-RU" dirty="0"/>
+              <a:t>Курс </a:t>
+            </a:r>
+            <a:r>
+              <a:rPr lang="en-US" dirty="0"/>
+              <a:t>GitLab Security Secure Coding Training</a:t>
+            </a:r>
+            <a:endParaRPr lang="ru-RU" dirty="0"/>
+          </a:p>
+          <a:p>
+            <a:r>
+              <a:rPr lang="ru-RU" dirty="0"/>
+              <a:t>Курсы </a:t>
+            </a:r>
+            <a:r>
+              <a:rPr lang="af-ZA" dirty="0"/>
+              <a:t>SAFECode Training</a:t>
+            </a:r>
+            <a:endParaRPr lang="ru-RU" dirty="0"/>
           </a:p>
         </p:txBody>
       </p:sp>
     </p:spTree>
     <p:extLst>
       <p:ext uri="{BB962C8B-B14F-4D97-AF65-F5344CB8AC3E}">
-        <p14:creationId xmlns:p14="http://schemas.microsoft.com/office/powerpoint/2010/main" val="3137844129"/>
+        <p14:creationId xmlns:p14="http://schemas.microsoft.com/office/powerpoint/2010/main" val="94129698"/>
       </p:ext>
     </p:extLst>
   </p:cSld>
@@ -5108,10 +5472,38 @@
       </p:grpSpPr>
       <p:sp>
         <p:nvSpPr>
+          <p:cNvPr id="2" name="Заголовок 1">
+            <a:extLst>
+              <a:ext uri="{FF2B5EF4-FFF2-40B4-BE49-F238E27FC236}">
+                <a16:creationId xmlns:a16="http://schemas.microsoft.com/office/drawing/2014/main" id="{EE9F7DD7-C49B-4CEE-9352-73C4D2272263}"/>
+              </a:ext>
+            </a:extLst>
+          </p:cNvPr>
+          <p:cNvSpPr>
+            <a:spLocks noGrp="1"/>
+          </p:cNvSpPr>
+          <p:nvPr>
+            <p:ph type="title"/>
+          </p:nvPr>
+        </p:nvSpPr>
+        <p:spPr/>
+        <p:txBody>
+          <a:bodyPr/>
+          <a:lstStyle/>
+          <a:p>
+            <a:r>
+              <a:rPr lang="ru-RU" dirty="0"/>
+              <a:t>Контролирование действий внешних сотрудников</a:t>
+            </a:r>
+          </a:p>
+        </p:txBody>
+      </p:sp>
+      <p:sp>
+        <p:nvSpPr>
           <p:cNvPr id="3" name="Объект 2">
             <a:extLst>
               <a:ext uri="{FF2B5EF4-FFF2-40B4-BE49-F238E27FC236}">
-                <a16:creationId xmlns:a16="http://schemas.microsoft.com/office/drawing/2014/main" id="{66D8E37B-ABB8-48F7-9056-0412FA589E82}"/>
+                <a16:creationId xmlns:a16="http://schemas.microsoft.com/office/drawing/2014/main" id="{8F6F65FC-5B33-4CB4-88B8-D04F15CC3ED0}"/>
               </a:ext>
             </a:extLst>
           </p:cNvPr>
@@ -5122,53 +5514,57 @@
             <p:ph idx="1"/>
           </p:nvPr>
         </p:nvSpPr>
-        <p:spPr>
-          <a:xfrm>
-            <a:off x="762000" y="790832"/>
-            <a:ext cx="10668000" cy="5313251"/>
-          </a:xfrm>
-        </p:spPr>
+        <p:spPr/>
         <p:txBody>
           <a:bodyPr>
-            <a:normAutofit/>
+            <a:normAutofit fontScale="92500" lnSpcReduction="10000"/>
           </a:bodyPr>
           <a:lstStyle/>
           <a:p>
             <a:r>
               <a:rPr lang="ru-RU" dirty="0"/>
-              <a:t>Построить модели системы управления ИБ</a:t>
-            </a:r>
-          </a:p>
-          <a:p>
-            <a:r>
-              <a:rPr lang="ru-RU" dirty="0"/>
-              <a:t>Подготовить техническое задание на создание системы информационной безопасности</a:t>
-            </a:r>
-          </a:p>
-          <a:p>
-            <a:r>
-              <a:rPr lang="ru-RU" dirty="0"/>
-              <a:t>Создать модель системы ИБ</a:t>
-            </a:r>
-          </a:p>
-          <a:p>
-            <a:r>
-              <a:rPr lang="ru-RU" dirty="0"/>
-              <a:t>Разработать техническо-рабочий проект создания системы ИБ и архитектуры системы ИБ</a:t>
-            </a:r>
-          </a:p>
-          <a:p>
-            <a:r>
-              <a:rPr lang="ru-RU" dirty="0"/>
-              <a:t>Протестировать на стенде спроектированную системы ИБ</a:t>
-            </a:r>
+              <a:t>Весь код, написанный разработчиками, необходимо контролировать. </a:t>
+            </a:r>
+            <a:r>
+              <a:rPr lang="en-US" dirty="0"/>
+              <a:t> </a:t>
+            </a:r>
+          </a:p>
+          <a:p>
+            <a:r>
+              <a:rPr lang="ru-RU" dirty="0"/>
+              <a:t>Разработчики могут внедрять уязвимости в разрабатываемый программный код намеренно или случайно.</a:t>
+            </a:r>
+          </a:p>
+          <a:p>
+            <a:r>
+              <a:rPr lang="ru-RU" dirty="0"/>
+              <a:t>Во избежание намеренного внедрения необходимо проводить код </a:t>
+            </a:r>
+            <a:r>
+              <a:rPr lang="ru-RU" dirty="0" err="1"/>
+              <a:t>ревью</a:t>
+            </a:r>
+            <a:r>
+              <a:rPr lang="ru-RU" dirty="0"/>
+              <a:t>, использовать сканеры уязвимостей, анализаторы кода.</a:t>
+            </a:r>
+          </a:p>
+          <a:p>
+            <a:r>
+              <a:rPr lang="ru-RU" dirty="0"/>
+              <a:t>Также необходимо проводить обучение сотрудников навыкам безопасного программирования.</a:t>
+            </a:r>
+          </a:p>
+          <a:p>
+            <a:endParaRPr lang="ru-RU" dirty="0"/>
           </a:p>
         </p:txBody>
       </p:sp>
     </p:spTree>
     <p:extLst>
       <p:ext uri="{BB962C8B-B14F-4D97-AF65-F5344CB8AC3E}">
-        <p14:creationId xmlns:p14="http://schemas.microsoft.com/office/powerpoint/2010/main" val="514035258"/>
+        <p14:creationId xmlns:p14="http://schemas.microsoft.com/office/powerpoint/2010/main" val="3837998305"/>
       </p:ext>
     </p:extLst>
   </p:cSld>
@@ -5197,49 +5593,106 @@
       </p:grpSpPr>
       <p:sp>
         <p:nvSpPr>
-          <p:cNvPr id="3" name="Объект 2">
-            <a:extLst>
-              <a:ext uri="{FF2B5EF4-FFF2-40B4-BE49-F238E27FC236}">
-                <a16:creationId xmlns:a16="http://schemas.microsoft.com/office/drawing/2014/main" id="{66D8E37B-ABB8-48F7-9056-0412FA589E82}"/>
-              </a:ext>
-            </a:extLst>
-          </p:cNvPr>
-          <p:cNvSpPr>
-            <a:spLocks noGrp="1"/>
-          </p:cNvSpPr>
-          <p:nvPr>
-            <p:ph idx="1"/>
+          <p:cNvPr id="2" name="Заголовок 1">
+            <a:extLst>
+              <a:ext uri="{FF2B5EF4-FFF2-40B4-BE49-F238E27FC236}">
+                <a16:creationId xmlns:a16="http://schemas.microsoft.com/office/drawing/2014/main" id="{EE9F7DD7-C49B-4CEE-9352-73C4D2272263}"/>
+              </a:ext>
+            </a:extLst>
+          </p:cNvPr>
+          <p:cNvSpPr>
+            <a:spLocks noGrp="1"/>
+          </p:cNvSpPr>
+          <p:nvPr>
+            <p:ph type="title"/>
           </p:nvPr>
         </p:nvSpPr>
         <p:spPr>
           <a:xfrm>
-            <a:off x="762000" y="790832"/>
-            <a:ext cx="10668000" cy="5313251"/>
+            <a:off x="762000" y="762000"/>
+            <a:ext cx="10668000" cy="944880"/>
           </a:xfrm>
         </p:spPr>
         <p:txBody>
+          <a:bodyPr/>
+          <a:lstStyle/>
+          <a:p>
+            <a:r>
+              <a:rPr lang="ru-RU" dirty="0"/>
+              <a:t>Тестирование на реальных данных</a:t>
+            </a:r>
+          </a:p>
+        </p:txBody>
+      </p:sp>
+      <p:sp>
+        <p:nvSpPr>
+          <p:cNvPr id="3" name="Объект 2">
+            <a:extLst>
+              <a:ext uri="{FF2B5EF4-FFF2-40B4-BE49-F238E27FC236}">
+                <a16:creationId xmlns:a16="http://schemas.microsoft.com/office/drawing/2014/main" id="{8F6F65FC-5B33-4CB4-88B8-D04F15CC3ED0}"/>
+              </a:ext>
+            </a:extLst>
+          </p:cNvPr>
+          <p:cNvSpPr>
+            <a:spLocks noGrp="1"/>
+          </p:cNvSpPr>
+          <p:nvPr>
+            <p:ph idx="1"/>
+          </p:nvPr>
+        </p:nvSpPr>
+        <p:spPr>
+          <a:xfrm>
+            <a:off x="762000" y="1840992"/>
+            <a:ext cx="10668000" cy="4263091"/>
+          </a:xfrm>
+        </p:spPr>
+        <p:txBody>
           <a:bodyPr>
-            <a:normAutofit/>
+            <a:normAutofit fontScale="92500" lnSpcReduction="20000"/>
           </a:bodyPr>
           <a:lstStyle/>
           <a:p>
             <a:r>
               <a:rPr lang="ru-RU" dirty="0"/>
-              <a:t>Разработать организационно-распорядительные документы системы управления ИБ (процедуры, регламенты и др.), а также переделать действующие (политика по обеспечению информационной безопасности)</a:t>
-            </a:r>
-          </a:p>
-          <a:p>
-            <a:r>
-              <a:rPr lang="ru-RU" dirty="0"/>
-              <a:t>Разработать рабочий проект (включая документацию на используемые средства защиты и порядок администрирования, план ввода системы ИБ в эксплуатацию и др.), запланировать обучения пользователей и обслуживающего персонала информационной системы.</a:t>
-            </a:r>
+              <a:t>Зачастую можно столкнуться с тем, что разработчики производят тестирование своих программных продуктов в </a:t>
+            </a:r>
+            <a:r>
+              <a:rPr lang="en-US" dirty="0"/>
+              <a:t>“production”</a:t>
+            </a:r>
+            <a:r>
+              <a:rPr lang="ru-RU" dirty="0"/>
+              <a:t> среде, в том числе и на реальных данных, что может повлечь за собой изменение, утечку, либо уничтожение данных, не говоря уж о возможных сбоях в работе проектов.</a:t>
+            </a:r>
+          </a:p>
+          <a:p>
+            <a:r>
+              <a:rPr lang="ru-RU" dirty="0"/>
+              <a:t>Чтобы избежать этого, необходимо проводить тестирования на дублирующей инфраструктуре с обезличенными или сгенерированными данными, аналогичными по структуре с данными в </a:t>
+            </a:r>
+            <a:r>
+              <a:rPr lang="en-US" dirty="0"/>
+              <a:t>“production”</a:t>
+            </a:r>
+            <a:r>
+              <a:rPr lang="ru-RU" dirty="0"/>
+              <a:t> среде</a:t>
+            </a:r>
+            <a:r>
+              <a:rPr lang="en-US" dirty="0"/>
+              <a:t>.</a:t>
+            </a:r>
+            <a:endParaRPr lang="ru-RU" dirty="0"/>
+          </a:p>
+          <a:p>
+            <a:endParaRPr lang="ru-RU" dirty="0"/>
           </a:p>
         </p:txBody>
       </p:sp>
     </p:spTree>
     <p:extLst>
       <p:ext uri="{BB962C8B-B14F-4D97-AF65-F5344CB8AC3E}">
-        <p14:creationId xmlns:p14="http://schemas.microsoft.com/office/powerpoint/2010/main" val="1915157026"/>
+        <p14:creationId xmlns:p14="http://schemas.microsoft.com/office/powerpoint/2010/main" val="3773403122"/>
       </p:ext>
     </p:extLst>
   </p:cSld>
@@ -5271,7 +5724,7 @@
           <p:cNvPr id="2" name="Заголовок 1">
             <a:extLst>
               <a:ext uri="{FF2B5EF4-FFF2-40B4-BE49-F238E27FC236}">
-                <a16:creationId xmlns:a16="http://schemas.microsoft.com/office/drawing/2014/main" id="{5DF4D20D-7AD7-41DC-872B-D3981D20E790}"/>
+                <a16:creationId xmlns:a16="http://schemas.microsoft.com/office/drawing/2014/main" id="{EE9F7DD7-C49B-4CEE-9352-73C4D2272263}"/>
               </a:ext>
             </a:extLst>
           </p:cNvPr>
@@ -5282,14 +5735,19 @@
             <p:ph type="title"/>
           </p:nvPr>
         </p:nvSpPr>
-        <p:spPr/>
+        <p:spPr>
+          <a:xfrm>
+            <a:off x="762000" y="658369"/>
+            <a:ext cx="10668000" cy="1524000"/>
+          </a:xfrm>
+        </p:spPr>
         <p:txBody>
           <a:bodyPr/>
           <a:lstStyle/>
           <a:p>
             <a:r>
               <a:rPr lang="ru-RU" dirty="0"/>
-              <a:t>Внедрение системы ИБ</a:t>
+              <a:t>Контролирование утечек кода</a:t>
             </a:r>
           </a:p>
         </p:txBody>
@@ -5299,7 +5757,7 @@
           <p:cNvPr id="3" name="Объект 2">
             <a:extLst>
               <a:ext uri="{FF2B5EF4-FFF2-40B4-BE49-F238E27FC236}">
-                <a16:creationId xmlns:a16="http://schemas.microsoft.com/office/drawing/2014/main" id="{405E0D46-7A9F-49DA-B4DB-B4F782CFBFA1}"/>
+                <a16:creationId xmlns:a16="http://schemas.microsoft.com/office/drawing/2014/main" id="{8F6F65FC-5B33-4CB4-88B8-D04F15CC3ED0}"/>
               </a:ext>
             </a:extLst>
           </p:cNvPr>
@@ -5310,28 +5768,37 @@
             <p:ph idx="1"/>
           </p:nvPr>
         </p:nvSpPr>
-        <p:spPr/>
+        <p:spPr>
+          <a:xfrm>
+            <a:off x="762000" y="2127504"/>
+            <a:ext cx="10668000" cy="4285652"/>
+          </a:xfrm>
+        </p:spPr>
         <p:txBody>
           <a:bodyPr>
-            <a:normAutofit lnSpcReduction="10000"/>
+            <a:normAutofit/>
           </a:bodyPr>
           <a:lstStyle/>
           <a:p>
             <a:r>
               <a:rPr lang="ru-RU" dirty="0"/>
-              <a:t>После проведения полного тестирования спроектированной системы ИБ, можно приступать к ее внедрению.</a:t>
-            </a:r>
-          </a:p>
-          <a:p>
-            <a:r>
-              <a:rPr lang="ru-RU" dirty="0"/>
-              <a:t>В первую очередь, необходимо осуществить поставку программных и технических средств защиты информации, инсталляцию программных компонентов, настройку всех компонентов и подсистем, а затем проведение приемо-сдаточных испытаний.</a:t>
-            </a:r>
-          </a:p>
-          <a:p>
-            <a:pPr marL="0" indent="0">
-              <a:buNone/>
-            </a:pPr>
+              <a:t>Недобросовестные разработчики или иные сотрудники компании, с доступом к исходному коду, могут воровать исходный код, который является интеллектуальной собственностью компании.</a:t>
+            </a:r>
+          </a:p>
+          <a:p>
+            <a:r>
+              <a:rPr lang="ru-RU" dirty="0"/>
+              <a:t>Это может происходить с целью продажи, личного использования, сотрудничества с конкурентами, либо случайно.</a:t>
+            </a:r>
+          </a:p>
+          <a:p>
+            <a:r>
+              <a:rPr lang="ru-RU" dirty="0"/>
+              <a:t>Утечка кода может повлечь за собой разнообразные события, большинство из которых нежелательно для компании.</a:t>
+            </a:r>
+            <a:endParaRPr lang="en-US" dirty="0"/>
+          </a:p>
+          <a:p>
             <a:endParaRPr lang="ru-RU" dirty="0"/>
           </a:p>
         </p:txBody>
@@ -5339,7 +5806,7 @@
     </p:spTree>
     <p:extLst>
       <p:ext uri="{BB962C8B-B14F-4D97-AF65-F5344CB8AC3E}">
-        <p14:creationId xmlns:p14="http://schemas.microsoft.com/office/powerpoint/2010/main" val="734405377"/>
+        <p14:creationId xmlns:p14="http://schemas.microsoft.com/office/powerpoint/2010/main" val="2380019421"/>
       </p:ext>
     </p:extLst>
   </p:cSld>
@@ -5484,47 +5951,104 @@
       </p:grpSpPr>
       <p:sp>
         <p:nvSpPr>
-          <p:cNvPr id="3" name="Объект 2">
-            <a:extLst>
-              <a:ext uri="{FF2B5EF4-FFF2-40B4-BE49-F238E27FC236}">
-                <a16:creationId xmlns:a16="http://schemas.microsoft.com/office/drawing/2014/main" id="{66D8E37B-ABB8-48F7-9056-0412FA589E82}"/>
-              </a:ext>
-            </a:extLst>
-          </p:cNvPr>
-          <p:cNvSpPr>
-            <a:spLocks noGrp="1"/>
-          </p:cNvSpPr>
-          <p:nvPr>
-            <p:ph idx="1"/>
+          <p:cNvPr id="2" name="Заголовок 1">
+            <a:extLst>
+              <a:ext uri="{FF2B5EF4-FFF2-40B4-BE49-F238E27FC236}">
+                <a16:creationId xmlns:a16="http://schemas.microsoft.com/office/drawing/2014/main" id="{EE9F7DD7-C49B-4CEE-9352-73C4D2272263}"/>
+              </a:ext>
+            </a:extLst>
+          </p:cNvPr>
+          <p:cNvSpPr>
+            <a:spLocks noGrp="1"/>
+          </p:cNvSpPr>
+          <p:nvPr>
+            <p:ph type="title"/>
           </p:nvPr>
         </p:nvSpPr>
         <p:spPr>
           <a:xfrm>
-            <a:off x="762000" y="790832"/>
-            <a:ext cx="10668000" cy="5313251"/>
+            <a:off x="762000" y="656971"/>
+            <a:ext cx="10668000" cy="1524000"/>
           </a:xfrm>
         </p:spPr>
         <p:txBody>
+          <a:bodyPr/>
+          <a:lstStyle/>
+          <a:p>
+            <a:r>
+              <a:rPr lang="ru-RU" dirty="0"/>
+              <a:t>Возможные решения по предотвращению утечки кода</a:t>
+            </a:r>
+          </a:p>
+        </p:txBody>
+      </p:sp>
+      <p:sp>
+        <p:nvSpPr>
+          <p:cNvPr id="3" name="Объект 2">
+            <a:extLst>
+              <a:ext uri="{FF2B5EF4-FFF2-40B4-BE49-F238E27FC236}">
+                <a16:creationId xmlns:a16="http://schemas.microsoft.com/office/drawing/2014/main" id="{8F6F65FC-5B33-4CB4-88B8-D04F15CC3ED0}"/>
+              </a:ext>
+            </a:extLst>
+          </p:cNvPr>
+          <p:cNvSpPr>
+            <a:spLocks noGrp="1"/>
+          </p:cNvSpPr>
+          <p:nvPr>
+            <p:ph idx="1"/>
+          </p:nvPr>
+        </p:nvSpPr>
+        <p:spPr>
+          <a:xfrm>
+            <a:off x="762000" y="2168611"/>
+            <a:ext cx="10668000" cy="4244545"/>
+          </a:xfrm>
+        </p:spPr>
+        <p:txBody>
           <a:bodyPr>
-            <a:normAutofit fontScale="85000" lnSpcReduction="20000"/>
+            <a:normAutofit fontScale="92500" lnSpcReduction="20000"/>
           </a:bodyPr>
           <a:lstStyle/>
           <a:p>
             <a:r>
               <a:rPr lang="ru-RU" dirty="0"/>
-              <a:t>Как только будет закончено базовое внедрение комплексной информационной системы на предприятии, необходимо эту информационную систему внедрить. </a:t>
-            </a:r>
-          </a:p>
-          <a:p>
-            <a:r>
-              <a:rPr lang="ru-RU" dirty="0"/>
-              <a:t>Но перед этим нам необходимо обучить всех разработчиков навыкам безопасного программирования и тестирования (это касается и внешних разработчиков), а также обучить всех пользователей информационной системы базовым навыкам информационной безопасности на предприятии, в том числе при пользовании ИС (это касается всех контрагентов, взаимодействующих с ИС).</a:t>
-            </a:r>
-          </a:p>
-          <a:p>
-            <a:r>
-              <a:rPr lang="ru-RU" dirty="0"/>
-              <a:t>А уже после этого производится ввод системы ИБ в промышленную эксплуатацию. Но для эффективной дальнейшей эксплуатации системы необходимо обеспечить ее поддержку и сопровождение.</a:t>
+              <a:t>В первую очередь необходимо ввести </a:t>
+            </a:r>
+            <a:r>
+              <a:rPr lang="en-US" dirty="0"/>
+              <a:t>DLP</a:t>
+            </a:r>
+            <a:r>
+              <a:rPr lang="ru-RU" dirty="0"/>
+              <a:t>-систему. Под DLP-системами принято понимать программные продукты, защищающие организации от утечек конфиденциальной информации. Сама аббревиатура DLP расшифровывается как Data </a:t>
+            </a:r>
+            <a:r>
+              <a:rPr lang="ru-RU" dirty="0" err="1"/>
+              <a:t>Leak</a:t>
+            </a:r>
+            <a:r>
+              <a:rPr lang="ru-RU" dirty="0"/>
+              <a:t> </a:t>
+            </a:r>
+            <a:r>
+              <a:rPr lang="ru-RU" dirty="0" err="1"/>
+              <a:t>Prevention</a:t>
+            </a:r>
+            <a:r>
+              <a:rPr lang="ru-RU" dirty="0"/>
+              <a:t>, то есть, предотвращение утечек данных.</a:t>
+            </a:r>
+          </a:p>
+          <a:p>
+            <a:r>
+              <a:rPr lang="ru-RU" dirty="0"/>
+              <a:t>Необходимо провести инструктажи сотрудникам о предотвращении подобных ситуаций при пользовании информационными системами.</a:t>
+            </a:r>
+          </a:p>
+          <a:p>
+            <a:r>
+              <a:rPr lang="ru-RU" dirty="0"/>
+              <a:t>Также необходимо установить ответственность сотрудников за подобные выявленные инциденты.</a:t>
             </a:r>
           </a:p>
         </p:txBody>
@@ -5532,7 +6056,7 @@
     </p:spTree>
     <p:extLst>
       <p:ext uri="{BB962C8B-B14F-4D97-AF65-F5344CB8AC3E}">
-        <p14:creationId xmlns:p14="http://schemas.microsoft.com/office/powerpoint/2010/main" val="3806347810"/>
+        <p14:creationId xmlns:p14="http://schemas.microsoft.com/office/powerpoint/2010/main" val="1390187013"/>
       </p:ext>
     </p:extLst>
   </p:cSld>
@@ -5564,7 +6088,7 @@
           <p:cNvPr id="2" name="Заголовок 1">
             <a:extLst>
               <a:ext uri="{FF2B5EF4-FFF2-40B4-BE49-F238E27FC236}">
-                <a16:creationId xmlns:a16="http://schemas.microsoft.com/office/drawing/2014/main" id="{E50F2AFD-555C-44AB-8B2C-CE030D5E1DB6}"/>
+                <a16:creationId xmlns:a16="http://schemas.microsoft.com/office/drawing/2014/main" id="{EE9F7DD7-C49B-4CEE-9352-73C4D2272263}"/>
               </a:ext>
             </a:extLst>
           </p:cNvPr>
@@ -5575,14 +6099,27 @@
             <p:ph type="title"/>
           </p:nvPr>
         </p:nvSpPr>
-        <p:spPr/>
+        <p:spPr>
+          <a:xfrm>
+            <a:off x="762000" y="656971"/>
+            <a:ext cx="10668000" cy="1524000"/>
+          </a:xfrm>
+        </p:spPr>
         <p:txBody>
           <a:bodyPr/>
           <a:lstStyle/>
           <a:p>
             <a:r>
               <a:rPr lang="ru-RU" dirty="0"/>
-              <a:t>Поддержание ИБ в компании</a:t>
+              <a:t>Возможные </a:t>
+            </a:r>
+            <a:r>
+              <a:rPr lang="en-US" dirty="0"/>
+              <a:t>DLP-</a:t>
+            </a:r>
+            <a:r>
+              <a:rPr lang="ru-RU" dirty="0"/>
+              <a:t>системы</a:t>
             </a:r>
           </a:p>
         </p:txBody>
@@ -5592,7 +6129,7 @@
           <p:cNvPr id="3" name="Объект 2">
             <a:extLst>
               <a:ext uri="{FF2B5EF4-FFF2-40B4-BE49-F238E27FC236}">
-                <a16:creationId xmlns:a16="http://schemas.microsoft.com/office/drawing/2014/main" id="{5AB29BD2-10B9-40E6-8ECB-441761BE7D7B}"/>
+                <a16:creationId xmlns:a16="http://schemas.microsoft.com/office/drawing/2014/main" id="{8F6F65FC-5B33-4CB4-88B8-D04F15CC3ED0}"/>
               </a:ext>
             </a:extLst>
           </p:cNvPr>
@@ -5603,22 +6140,67 @@
             <p:ph idx="1"/>
           </p:nvPr>
         </p:nvSpPr>
-        <p:spPr/>
+        <p:spPr>
+          <a:xfrm>
+            <a:off x="762000" y="2168611"/>
+            <a:ext cx="10668000" cy="4244545"/>
+          </a:xfrm>
+        </p:spPr>
         <p:txBody>
           <a:bodyPr>
-            <a:normAutofit fontScale="92500" lnSpcReduction="20000"/>
+            <a:normAutofit/>
           </a:bodyPr>
           <a:lstStyle/>
           <a:p>
             <a:r>
-              <a:rPr lang="ru-RU" dirty="0"/>
-              <a:t>Имея внедрённую на предприятие систему ИБ недостаточно просто сидеть и любоваться ею, необходимо регулярно проводить аудиты для поддержания актуальности системы, и при необходимости проходить остальные этапы (проектирование, внедрение)</a:t>
-            </a:r>
-          </a:p>
-          <a:p>
-            <a:r>
-              <a:rPr lang="ru-RU" dirty="0"/>
-              <a:t>Для этого можно привлечь стороннюю организацию, которая бы занималась полным циклом поддержания ИБ на предприятии, в том числе и расследованием инцидентов, управлением непрерывностью ведения бизнеса.</a:t>
+              <a:rPr lang="en-US" dirty="0" err="1"/>
+              <a:t>InfoWatch</a:t>
+            </a:r>
+            <a:r>
+              <a:rPr lang="en-US" dirty="0"/>
+              <a:t> Traffic Monitor</a:t>
+            </a:r>
+            <a:endParaRPr lang="ru-RU" dirty="0"/>
+          </a:p>
+          <a:p>
+            <a:r>
+              <a:rPr lang="ru-RU" dirty="0"/>
+              <a:t>Symantec DLP</a:t>
+            </a:r>
+          </a:p>
+          <a:p>
+            <a:r>
+              <a:rPr lang="ru-RU" dirty="0" err="1"/>
+              <a:t>Solar</a:t>
+            </a:r>
+            <a:r>
+              <a:rPr lang="ru-RU" dirty="0"/>
+              <a:t> </a:t>
+            </a:r>
+            <a:r>
+              <a:rPr lang="ru-RU" dirty="0" err="1"/>
+              <a:t>Dozor</a:t>
+            </a:r>
+            <a:endParaRPr lang="ru-RU" dirty="0"/>
+          </a:p>
+          <a:p>
+            <a:r>
+              <a:rPr lang="ru-RU" dirty="0"/>
+              <a:t>Контур информационной безопасности </a:t>
+            </a:r>
+            <a:r>
+              <a:rPr lang="ru-RU" dirty="0" err="1"/>
+              <a:t>СёрчИнформ</a:t>
+            </a:r>
+            <a:r>
+              <a:rPr lang="ru-RU" dirty="0"/>
+              <a:t> 5</a:t>
+            </a:r>
+          </a:p>
+          <a:p>
+            <a:r>
+              <a:rPr lang="af-ZA" dirty="0"/>
+              <a:t>DeviceLock DLP Suite</a:t>
             </a:r>
           </a:p>
         </p:txBody>
@@ -5626,7 +6208,7 @@
     </p:spTree>
     <p:extLst>
       <p:ext uri="{BB962C8B-B14F-4D97-AF65-F5344CB8AC3E}">
-        <p14:creationId xmlns:p14="http://schemas.microsoft.com/office/powerpoint/2010/main" val="750700487"/>
+        <p14:creationId xmlns:p14="http://schemas.microsoft.com/office/powerpoint/2010/main" val="1963138643"/>
       </p:ext>
     </p:extLst>
   </p:cSld>
@@ -5655,6 +6237,207 @@
       </p:grpSpPr>
       <p:sp>
         <p:nvSpPr>
+          <p:cNvPr id="2" name="Заголовок 1">
+            <a:extLst>
+              <a:ext uri="{FF2B5EF4-FFF2-40B4-BE49-F238E27FC236}">
+                <a16:creationId xmlns:a16="http://schemas.microsoft.com/office/drawing/2014/main" id="{EE9F7DD7-C49B-4CEE-9352-73C4D2272263}"/>
+              </a:ext>
+            </a:extLst>
+          </p:cNvPr>
+          <p:cNvSpPr>
+            <a:spLocks noGrp="1"/>
+          </p:cNvSpPr>
+          <p:nvPr>
+            <p:ph type="title"/>
+          </p:nvPr>
+        </p:nvSpPr>
+        <p:spPr>
+          <a:xfrm>
+            <a:off x="762000" y="656971"/>
+            <a:ext cx="10668000" cy="1524000"/>
+          </a:xfrm>
+        </p:spPr>
+        <p:txBody>
+          <a:bodyPr/>
+          <a:lstStyle/>
+          <a:p>
+            <a:r>
+              <a:rPr lang="ru-RU" dirty="0"/>
+              <a:t>Проверка и работа с аутсорс компаниями</a:t>
+            </a:r>
+          </a:p>
+        </p:txBody>
+      </p:sp>
+      <p:sp>
+        <p:nvSpPr>
+          <p:cNvPr id="3" name="Объект 2">
+            <a:extLst>
+              <a:ext uri="{FF2B5EF4-FFF2-40B4-BE49-F238E27FC236}">
+                <a16:creationId xmlns:a16="http://schemas.microsoft.com/office/drawing/2014/main" id="{8F6F65FC-5B33-4CB4-88B8-D04F15CC3ED0}"/>
+              </a:ext>
+            </a:extLst>
+          </p:cNvPr>
+          <p:cNvSpPr>
+            <a:spLocks noGrp="1"/>
+          </p:cNvSpPr>
+          <p:nvPr>
+            <p:ph idx="1"/>
+          </p:nvPr>
+        </p:nvSpPr>
+        <p:spPr>
+          <a:xfrm>
+            <a:off x="762000" y="2168612"/>
+            <a:ext cx="10668000" cy="4032418"/>
+          </a:xfrm>
+        </p:spPr>
+        <p:txBody>
+          <a:bodyPr>
+            <a:normAutofit fontScale="92500" lnSpcReduction="10000"/>
+          </a:bodyPr>
+          <a:lstStyle/>
+          <a:p>
+            <a:r>
+              <a:rPr lang="ru-RU" dirty="0"/>
+              <a:t>В качестве решения по проверке аутсорс компаний можно привлечь, как бы это странно не звучало, аутсорс компанию по проверке контрагентов. Это позволит снизить расходы и упростить подбор компании-контрагента.</a:t>
+            </a:r>
+          </a:p>
+          <a:p>
+            <a:r>
+              <a:rPr lang="ru-RU" dirty="0"/>
+              <a:t>Также необходимо грамотно переложить всю ответственность за утечки кода, нарушение прав, законодательства, утечки персональных данных, вывод из строя информационных систем, на аутсорс компании, в зависимости от их зоны деятельности и ответственности.</a:t>
+            </a:r>
+          </a:p>
+          <a:p>
+            <a:endParaRPr lang="ru-RU" dirty="0"/>
+          </a:p>
+        </p:txBody>
+      </p:sp>
+    </p:spTree>
+    <p:extLst>
+      <p:ext uri="{BB962C8B-B14F-4D97-AF65-F5344CB8AC3E}">
+        <p14:creationId xmlns:p14="http://schemas.microsoft.com/office/powerpoint/2010/main" val="1197853381"/>
+      </p:ext>
+    </p:extLst>
+  </p:cSld>
+  <p:clrMapOvr>
+    <a:masterClrMapping/>
+  </p:clrMapOvr>
+</p:sld>
+</file>
+
+<file path=ppt/slides/slide23.xml><?xml version="1.0" encoding="utf-8"?>
+<p:sld xmlns:a="http://schemas.openxmlformats.org/drawingml/2006/main" xmlns:r="http://schemas.openxmlformats.org/officeDocument/2006/relationships" xmlns:p="http://schemas.openxmlformats.org/presentationml/2006/main">
+  <p:cSld>
+    <p:spTree>
+      <p:nvGrpSpPr>
+        <p:cNvPr id="1" name=""/>
+        <p:cNvGrpSpPr/>
+        <p:nvPr/>
+      </p:nvGrpSpPr>
+      <p:grpSpPr>
+        <a:xfrm>
+          <a:off x="0" y="0"/>
+          <a:ext cx="0" cy="0"/>
+          <a:chOff x="0" y="0"/>
+          <a:chExt cx="0" cy="0"/>
+        </a:xfrm>
+      </p:grpSpPr>
+      <p:sp>
+        <p:nvSpPr>
+          <p:cNvPr id="2" name="Заголовок 1">
+            <a:extLst>
+              <a:ext uri="{FF2B5EF4-FFF2-40B4-BE49-F238E27FC236}">
+                <a16:creationId xmlns:a16="http://schemas.microsoft.com/office/drawing/2014/main" id="{6349A58E-DF2F-4B7D-81B8-3C7DAC608E58}"/>
+              </a:ext>
+            </a:extLst>
+          </p:cNvPr>
+          <p:cNvSpPr>
+            <a:spLocks noGrp="1"/>
+          </p:cNvSpPr>
+          <p:nvPr>
+            <p:ph type="title"/>
+          </p:nvPr>
+        </p:nvSpPr>
+        <p:spPr/>
+        <p:txBody>
+          <a:bodyPr/>
+          <a:lstStyle/>
+          <a:p>
+            <a:r>
+              <a:rPr lang="ru-RU" dirty="0"/>
+              <a:t>Провести комплексное обследование ИБ в компании</a:t>
+            </a:r>
+          </a:p>
+        </p:txBody>
+      </p:sp>
+      <p:sp>
+        <p:nvSpPr>
+          <p:cNvPr id="3" name="Объект 2">
+            <a:extLst>
+              <a:ext uri="{FF2B5EF4-FFF2-40B4-BE49-F238E27FC236}">
+                <a16:creationId xmlns:a16="http://schemas.microsoft.com/office/drawing/2014/main" id="{4BA0BDE6-9659-4751-8E7E-1842CB9650EF}"/>
+              </a:ext>
+            </a:extLst>
+          </p:cNvPr>
+          <p:cNvSpPr>
+            <a:spLocks noGrp="1"/>
+          </p:cNvSpPr>
+          <p:nvPr>
+            <p:ph idx="1"/>
+          </p:nvPr>
+        </p:nvSpPr>
+        <p:spPr/>
+        <p:txBody>
+          <a:bodyPr>
+            <a:normAutofit fontScale="77500" lnSpcReduction="20000"/>
+          </a:bodyPr>
+          <a:lstStyle/>
+          <a:p>
+            <a:r>
+              <a:rPr lang="ru-RU" dirty="0"/>
+              <a:t>Так как разрабатываемые нашими разработчиками программные продукты используются повсеместно, то необходимо провести комплексное диагностическое обследование системы информационной безопасности на предприятии.</a:t>
+            </a:r>
+          </a:p>
+          <a:p>
+            <a:r>
+              <a:rPr lang="ru-RU" dirty="0"/>
+              <a:t>Обследование (аудит) существующей системы информационной безопасности позволит установить, соответствует ли уровень безопасности информационно-технологических ресурсов компании выдвигаемым требованиям, то есть обеспечиваются ли необходимые параметры конфиденциальности, целостности и доступности ресурсов информационной системы.</a:t>
+            </a:r>
+          </a:p>
+        </p:txBody>
+      </p:sp>
+    </p:spTree>
+    <p:extLst>
+      <p:ext uri="{BB962C8B-B14F-4D97-AF65-F5344CB8AC3E}">
+        <p14:creationId xmlns:p14="http://schemas.microsoft.com/office/powerpoint/2010/main" val="3912149733"/>
+      </p:ext>
+    </p:extLst>
+  </p:cSld>
+  <p:clrMapOvr>
+    <a:masterClrMapping/>
+  </p:clrMapOvr>
+</p:sld>
+</file>
+
+<file path=ppt/slides/slide24.xml><?xml version="1.0" encoding="utf-8"?>
+<p:sld xmlns:a="http://schemas.openxmlformats.org/drawingml/2006/main" xmlns:r="http://schemas.openxmlformats.org/officeDocument/2006/relationships" xmlns:p="http://schemas.openxmlformats.org/presentationml/2006/main">
+  <p:cSld>
+    <p:spTree>
+      <p:nvGrpSpPr>
+        <p:cNvPr id="1" name=""/>
+        <p:cNvGrpSpPr/>
+        <p:nvPr/>
+      </p:nvGrpSpPr>
+      <p:grpSpPr>
+        <a:xfrm>
+          <a:off x="0" y="0"/>
+          <a:ext cx="0" cy="0"/>
+          <a:chOff x="0" y="0"/>
+          <a:chExt cx="0" cy="0"/>
+        </a:xfrm>
+      </p:grpSpPr>
+      <p:sp>
+        <p:nvSpPr>
           <p:cNvPr id="3" name="Объект 2">
             <a:extLst>
               <a:ext uri="{FF2B5EF4-FFF2-40B4-BE49-F238E27FC236}">
@@ -5677,40 +6460,952 @@
         </p:spPr>
         <p:txBody>
           <a:bodyPr>
-            <a:normAutofit fontScale="70000" lnSpcReduction="20000"/>
+            <a:normAutofit/>
           </a:bodyPr>
           <a:lstStyle/>
           <a:p>
             <a:r>
               <a:rPr lang="ru-RU" dirty="0"/>
+              <a:t>В ходе диагностического обследования необходимо провести анализ рисков. Для проверки способности информационной системы противостоять попыткам несанкционированного доступа и воздействия на информацию также необходимо выполнить тесты на проникновение.</a:t>
+            </a:r>
+          </a:p>
+          <a:p>
+            <a:endParaRPr lang="ru-RU" dirty="0"/>
+          </a:p>
+        </p:txBody>
+      </p:sp>
+    </p:spTree>
+    <p:extLst>
+      <p:ext uri="{BB962C8B-B14F-4D97-AF65-F5344CB8AC3E}">
+        <p14:creationId xmlns:p14="http://schemas.microsoft.com/office/powerpoint/2010/main" val="4252297030"/>
+      </p:ext>
+    </p:extLst>
+  </p:cSld>
+  <p:clrMapOvr>
+    <a:masterClrMapping/>
+  </p:clrMapOvr>
+</p:sld>
+</file>
+
+<file path=ppt/slides/slide25.xml><?xml version="1.0" encoding="utf-8"?>
+<p:sld xmlns:a="http://schemas.openxmlformats.org/drawingml/2006/main" xmlns:r="http://schemas.openxmlformats.org/officeDocument/2006/relationships" xmlns:p="http://schemas.openxmlformats.org/presentationml/2006/main">
+  <p:cSld>
+    <p:spTree>
+      <p:nvGrpSpPr>
+        <p:cNvPr id="1" name=""/>
+        <p:cNvGrpSpPr/>
+        <p:nvPr/>
+      </p:nvGrpSpPr>
+      <p:grpSpPr>
+        <a:xfrm>
+          <a:off x="0" y="0"/>
+          <a:ext cx="0" cy="0"/>
+          <a:chOff x="0" y="0"/>
+          <a:chExt cx="0" cy="0"/>
+        </a:xfrm>
+      </p:grpSpPr>
+      <p:sp>
+        <p:nvSpPr>
+          <p:cNvPr id="2" name="Заголовок 1">
+            <a:extLst>
+              <a:ext uri="{FF2B5EF4-FFF2-40B4-BE49-F238E27FC236}">
+                <a16:creationId xmlns:a16="http://schemas.microsoft.com/office/drawing/2014/main" id="{FD9F6CEA-D41F-4077-A98F-8958AAD36E85}"/>
+              </a:ext>
+            </a:extLst>
+          </p:cNvPr>
+          <p:cNvSpPr>
+            <a:spLocks noGrp="1"/>
+          </p:cNvSpPr>
+          <p:nvPr>
+            <p:ph type="title"/>
+          </p:nvPr>
+        </p:nvSpPr>
+        <p:spPr>
+          <a:xfrm>
+            <a:off x="762000" y="762000"/>
+            <a:ext cx="10966704" cy="1524000"/>
+          </a:xfrm>
+        </p:spPr>
+        <p:txBody>
+          <a:bodyPr>
+            <a:normAutofit fontScale="90000"/>
+          </a:bodyPr>
+          <a:lstStyle/>
+          <a:p>
+            <a:r>
+              <a:rPr lang="ru-RU" dirty="0"/>
+              <a:t>Описать и проанализировать существующие ИТ ресурсы, сервисы, бизнес процессы</a:t>
+            </a:r>
+          </a:p>
+        </p:txBody>
+      </p:sp>
+      <p:sp>
+        <p:nvSpPr>
+          <p:cNvPr id="3" name="Объект 2">
+            <a:extLst>
+              <a:ext uri="{FF2B5EF4-FFF2-40B4-BE49-F238E27FC236}">
+                <a16:creationId xmlns:a16="http://schemas.microsoft.com/office/drawing/2014/main" id="{43BABAA2-3E53-48B1-8094-9BBA80A9A0B2}"/>
+              </a:ext>
+            </a:extLst>
+          </p:cNvPr>
+          <p:cNvSpPr>
+            <a:spLocks noGrp="1"/>
+          </p:cNvSpPr>
+          <p:nvPr>
+            <p:ph idx="1"/>
+          </p:nvPr>
+        </p:nvSpPr>
+        <p:spPr/>
+        <p:txBody>
+          <a:bodyPr>
+            <a:normAutofit fontScale="92500" lnSpcReduction="10000"/>
+          </a:bodyPr>
+          <a:lstStyle/>
+          <a:p>
+            <a:r>
+              <a:rPr lang="ru-RU" dirty="0"/>
+              <a:t>В процессе обследования и анализа системы информационной безопасности также идентифицируются «владельцы» ИТ-ресурсов (включая автоматизированные системы и корпоративные данные) и лица, ответственные за целостность этих ресурсов. Устанавливаются требования к системе разделения прав доступа (пароли, разрешения), включая все правила доступа к информационной системе компании. Информационные активы классифицируются по степени важности/критичности.</a:t>
+            </a:r>
+          </a:p>
+        </p:txBody>
+      </p:sp>
+    </p:spTree>
+    <p:extLst>
+      <p:ext uri="{BB962C8B-B14F-4D97-AF65-F5344CB8AC3E}">
+        <p14:creationId xmlns:p14="http://schemas.microsoft.com/office/powerpoint/2010/main" val="1838429447"/>
+      </p:ext>
+    </p:extLst>
+  </p:cSld>
+  <p:clrMapOvr>
+    <a:masterClrMapping/>
+  </p:clrMapOvr>
+</p:sld>
+</file>
+
+<file path=ppt/slides/slide26.xml><?xml version="1.0" encoding="utf-8"?>
+<p:sld xmlns:a="http://schemas.openxmlformats.org/drawingml/2006/main" xmlns:r="http://schemas.openxmlformats.org/officeDocument/2006/relationships" xmlns:p="http://schemas.openxmlformats.org/presentationml/2006/main">
+  <p:cSld>
+    <p:spTree>
+      <p:nvGrpSpPr>
+        <p:cNvPr id="1" name=""/>
+        <p:cNvGrpSpPr/>
+        <p:nvPr/>
+      </p:nvGrpSpPr>
+      <p:grpSpPr>
+        <a:xfrm>
+          <a:off x="0" y="0"/>
+          <a:ext cx="0" cy="0"/>
+          <a:chOff x="0" y="0"/>
+          <a:chExt cx="0" cy="0"/>
+        </a:xfrm>
+      </p:grpSpPr>
+      <p:sp>
+        <p:nvSpPr>
+          <p:cNvPr id="3" name="Объект 2">
+            <a:extLst>
+              <a:ext uri="{FF2B5EF4-FFF2-40B4-BE49-F238E27FC236}">
+                <a16:creationId xmlns:a16="http://schemas.microsoft.com/office/drawing/2014/main" id="{66D8E37B-ABB8-48F7-9056-0412FA589E82}"/>
+              </a:ext>
+            </a:extLst>
+          </p:cNvPr>
+          <p:cNvSpPr>
+            <a:spLocks noGrp="1"/>
+          </p:cNvSpPr>
+          <p:nvPr>
+            <p:ph idx="1"/>
+          </p:nvPr>
+        </p:nvSpPr>
+        <p:spPr>
+          <a:xfrm>
+            <a:off x="762000" y="790832"/>
+            <a:ext cx="10668000" cy="5313251"/>
+          </a:xfrm>
+        </p:spPr>
+        <p:txBody>
+          <a:bodyPr>
+            <a:normAutofit fontScale="92500" lnSpcReduction="10000"/>
+          </a:bodyPr>
+          <a:lstStyle/>
+          <a:p>
+            <a:r>
+              <a:rPr lang="ru-RU" dirty="0"/>
+              <a:t>Проверяются все процедуры безопасности, в том числе поддержка системы ИБ, процесс расследования нарушений ИБ, организация системы резервного копирования, разграничение прав пользователей, процедуры удаленного доступа, защиты учетных записей и др. Определяются лица, ответственные за развитие и поддержку системы ИБ.</a:t>
+            </a:r>
+          </a:p>
+          <a:p>
+            <a:r>
+              <a:rPr lang="ru-RU" dirty="0"/>
+              <a:t>В ходе анализа и моделирования возможных сценариев атак на систему ИБ выявляются ситуации, которые могут привести к нарушению нормального «течения» бизнес-процессов. Определяются возможные последствия несоответствия системы ИБ политике безопасности компании.</a:t>
+            </a:r>
+          </a:p>
+        </p:txBody>
+      </p:sp>
+    </p:spTree>
+    <p:extLst>
+      <p:ext uri="{BB962C8B-B14F-4D97-AF65-F5344CB8AC3E}">
+        <p14:creationId xmlns:p14="http://schemas.microsoft.com/office/powerpoint/2010/main" val="2174871718"/>
+      </p:ext>
+    </p:extLst>
+  </p:cSld>
+  <p:clrMapOvr>
+    <a:masterClrMapping/>
+  </p:clrMapOvr>
+</p:sld>
+</file>
+
+<file path=ppt/slides/slide27.xml><?xml version="1.0" encoding="utf-8"?>
+<p:sld xmlns:a="http://schemas.openxmlformats.org/drawingml/2006/main" xmlns:r="http://schemas.openxmlformats.org/officeDocument/2006/relationships" xmlns:p="http://schemas.openxmlformats.org/presentationml/2006/main">
+  <p:cSld>
+    <p:spTree>
+      <p:nvGrpSpPr>
+        <p:cNvPr id="1" name=""/>
+        <p:cNvGrpSpPr/>
+        <p:nvPr/>
+      </p:nvGrpSpPr>
+      <p:grpSpPr>
+        <a:xfrm>
+          <a:off x="0" y="0"/>
+          <a:ext cx="0" cy="0"/>
+          <a:chOff x="0" y="0"/>
+          <a:chExt cx="0" cy="0"/>
+        </a:xfrm>
+      </p:grpSpPr>
+      <p:sp>
+        <p:nvSpPr>
+          <p:cNvPr id="3" name="Объект 2">
+            <a:extLst>
+              <a:ext uri="{FF2B5EF4-FFF2-40B4-BE49-F238E27FC236}">
+                <a16:creationId xmlns:a16="http://schemas.microsoft.com/office/drawing/2014/main" id="{66D8E37B-ABB8-48F7-9056-0412FA589E82}"/>
+              </a:ext>
+            </a:extLst>
+          </p:cNvPr>
+          <p:cNvSpPr>
+            <a:spLocks noGrp="1"/>
+          </p:cNvSpPr>
+          <p:nvPr>
+            <p:ph idx="1"/>
+          </p:nvPr>
+        </p:nvSpPr>
+        <p:spPr>
+          <a:xfrm>
+            <a:off x="762000" y="790832"/>
+            <a:ext cx="10668000" cy="5313251"/>
+          </a:xfrm>
+        </p:spPr>
+        <p:txBody>
+          <a:bodyPr>
+            <a:normAutofit fontScale="92500"/>
+          </a:bodyPr>
+          <a:lstStyle/>
+          <a:p>
+            <a:r>
+              <a:rPr lang="ru-RU" dirty="0"/>
+              <a:t>В результате руководителям и заинтересованным менеджерам будет предоставлен детальный отчет с рекомендациями по изменению или дополнению существующей инфраструктуры системы ИБ. </a:t>
+            </a:r>
+          </a:p>
+          <a:p>
+            <a:r>
+              <a:rPr lang="ru-RU" dirty="0"/>
+              <a:t>Будет сопоставлен список необходимых мероприятий по обеспечению информационной безопасности в соответствии с требованиями международных (ISO 17799, ISO 13335) или национальных стандартов (Стандарт ЦБ РФ, СТР-К, NIST SP800-14, BSI и др.), техническими требованиями поставщиков решений в области ИБ (CISCO, Check Point и др.), рекомендациями NSA (National Security Agency).</a:t>
+            </a:r>
+          </a:p>
+        </p:txBody>
+      </p:sp>
+    </p:spTree>
+    <p:extLst>
+      <p:ext uri="{BB962C8B-B14F-4D97-AF65-F5344CB8AC3E}">
+        <p14:creationId xmlns:p14="http://schemas.microsoft.com/office/powerpoint/2010/main" val="1538190550"/>
+      </p:ext>
+    </p:extLst>
+  </p:cSld>
+  <p:clrMapOvr>
+    <a:masterClrMapping/>
+  </p:clrMapOvr>
+</p:sld>
+</file>
+
+<file path=ppt/slides/slide28.xml><?xml version="1.0" encoding="utf-8"?>
+<p:sld xmlns:a="http://schemas.openxmlformats.org/drawingml/2006/main" xmlns:r="http://schemas.openxmlformats.org/officeDocument/2006/relationships" xmlns:p="http://schemas.openxmlformats.org/presentationml/2006/main">
+  <p:cSld>
+    <p:spTree>
+      <p:nvGrpSpPr>
+        <p:cNvPr id="1" name=""/>
+        <p:cNvGrpSpPr/>
+        <p:nvPr/>
+      </p:nvGrpSpPr>
+      <p:grpSpPr>
+        <a:xfrm>
+          <a:off x="0" y="0"/>
+          <a:ext cx="0" cy="0"/>
+          <a:chOff x="0" y="0"/>
+          <a:chExt cx="0" cy="0"/>
+        </a:xfrm>
+      </p:grpSpPr>
+      <p:sp>
+        <p:nvSpPr>
+          <p:cNvPr id="2" name="Заголовок 1">
+            <a:extLst>
+              <a:ext uri="{FF2B5EF4-FFF2-40B4-BE49-F238E27FC236}">
+                <a16:creationId xmlns:a16="http://schemas.microsoft.com/office/drawing/2014/main" id="{EE9F7DD7-C49B-4CEE-9352-73C4D2272263}"/>
+              </a:ext>
+            </a:extLst>
+          </p:cNvPr>
+          <p:cNvSpPr>
+            <a:spLocks noGrp="1"/>
+          </p:cNvSpPr>
+          <p:nvPr>
+            <p:ph type="title"/>
+          </p:nvPr>
+        </p:nvSpPr>
+        <p:spPr/>
+        <p:txBody>
+          <a:bodyPr/>
+          <a:lstStyle/>
+          <a:p>
+            <a:r>
+              <a:rPr lang="ru-RU" dirty="0"/>
+              <a:t>Спроектировать систему ИБ</a:t>
+            </a:r>
+          </a:p>
+        </p:txBody>
+      </p:sp>
+      <p:sp>
+        <p:nvSpPr>
+          <p:cNvPr id="3" name="Объект 2">
+            <a:extLst>
+              <a:ext uri="{FF2B5EF4-FFF2-40B4-BE49-F238E27FC236}">
+                <a16:creationId xmlns:a16="http://schemas.microsoft.com/office/drawing/2014/main" id="{8F6F65FC-5B33-4CB4-88B8-D04F15CC3ED0}"/>
+              </a:ext>
+            </a:extLst>
+          </p:cNvPr>
+          <p:cNvSpPr>
+            <a:spLocks noGrp="1"/>
+          </p:cNvSpPr>
+          <p:nvPr>
+            <p:ph idx="1"/>
+          </p:nvPr>
+        </p:nvSpPr>
+        <p:spPr/>
+        <p:txBody>
+          <a:bodyPr>
+            <a:normAutofit fontScale="92500" lnSpcReduction="10000"/>
+          </a:bodyPr>
+          <a:lstStyle/>
+          <a:p>
+            <a:r>
+              <a:rPr lang="ru-RU" dirty="0"/>
+              <a:t>В первую очередь необходимо разработать Концепцию обеспечения информационной безопасности. </a:t>
+            </a:r>
+          </a:p>
+          <a:p>
+            <a:r>
+              <a:rPr lang="ru-RU" dirty="0"/>
+              <a:t>Определить основные цели, задачи и требования, а также общую стратегию построения системы ИБ. </a:t>
+            </a:r>
+          </a:p>
+          <a:p>
+            <a:r>
+              <a:rPr lang="ru-RU" dirty="0"/>
+              <a:t>Идентифицировать критичные информационные ресурсы. </a:t>
+            </a:r>
+          </a:p>
+          <a:p>
+            <a:r>
+              <a:rPr lang="ru-RU" dirty="0"/>
+              <a:t>Выработать требования к системе ИБ и определить базовые подходы к их реализации.</a:t>
+            </a:r>
+          </a:p>
+        </p:txBody>
+      </p:sp>
+    </p:spTree>
+    <p:extLst>
+      <p:ext uri="{BB962C8B-B14F-4D97-AF65-F5344CB8AC3E}">
+        <p14:creationId xmlns:p14="http://schemas.microsoft.com/office/powerpoint/2010/main" val="3137844129"/>
+      </p:ext>
+    </p:extLst>
+  </p:cSld>
+  <p:clrMapOvr>
+    <a:masterClrMapping/>
+  </p:clrMapOvr>
+</p:sld>
+</file>
+
+<file path=ppt/slides/slide29.xml><?xml version="1.0" encoding="utf-8"?>
+<p:sld xmlns:a="http://schemas.openxmlformats.org/drawingml/2006/main" xmlns:r="http://schemas.openxmlformats.org/officeDocument/2006/relationships" xmlns:p="http://schemas.openxmlformats.org/presentationml/2006/main">
+  <p:cSld>
+    <p:spTree>
+      <p:nvGrpSpPr>
+        <p:cNvPr id="1" name=""/>
+        <p:cNvGrpSpPr/>
+        <p:nvPr/>
+      </p:nvGrpSpPr>
+      <p:grpSpPr>
+        <a:xfrm>
+          <a:off x="0" y="0"/>
+          <a:ext cx="0" cy="0"/>
+          <a:chOff x="0" y="0"/>
+          <a:chExt cx="0" cy="0"/>
+        </a:xfrm>
+      </p:grpSpPr>
+      <p:sp>
+        <p:nvSpPr>
+          <p:cNvPr id="3" name="Объект 2">
+            <a:extLst>
+              <a:ext uri="{FF2B5EF4-FFF2-40B4-BE49-F238E27FC236}">
+                <a16:creationId xmlns:a16="http://schemas.microsoft.com/office/drawing/2014/main" id="{66D8E37B-ABB8-48F7-9056-0412FA589E82}"/>
+              </a:ext>
+            </a:extLst>
+          </p:cNvPr>
+          <p:cNvSpPr>
+            <a:spLocks noGrp="1"/>
+          </p:cNvSpPr>
+          <p:nvPr>
+            <p:ph idx="1"/>
+          </p:nvPr>
+        </p:nvSpPr>
+        <p:spPr>
+          <a:xfrm>
+            <a:off x="762000" y="790832"/>
+            <a:ext cx="10668000" cy="5313251"/>
+          </a:xfrm>
+        </p:spPr>
+        <p:txBody>
+          <a:bodyPr>
+            <a:normAutofit/>
+          </a:bodyPr>
+          <a:lstStyle/>
+          <a:p>
+            <a:r>
+              <a:rPr lang="ru-RU" dirty="0"/>
+              <a:t>Построить модели системы управления ИБ</a:t>
+            </a:r>
+          </a:p>
+          <a:p>
+            <a:r>
+              <a:rPr lang="ru-RU" dirty="0"/>
+              <a:t>Подготовить техническое задание на создание системы информационной безопасности</a:t>
+            </a:r>
+          </a:p>
+          <a:p>
+            <a:r>
+              <a:rPr lang="ru-RU" dirty="0"/>
+              <a:t>Создать модель системы ИБ</a:t>
+            </a:r>
+          </a:p>
+          <a:p>
+            <a:r>
+              <a:rPr lang="ru-RU" dirty="0"/>
+              <a:t>Разработать техническо-рабочий проект создания системы ИБ и архитектуры системы ИБ</a:t>
+            </a:r>
+          </a:p>
+          <a:p>
+            <a:r>
+              <a:rPr lang="ru-RU" dirty="0"/>
+              <a:t>Протестировать на стенде спроектированную системы ИБ</a:t>
+            </a:r>
+          </a:p>
+        </p:txBody>
+      </p:sp>
+    </p:spTree>
+    <p:extLst>
+      <p:ext uri="{BB962C8B-B14F-4D97-AF65-F5344CB8AC3E}">
+        <p14:creationId xmlns:p14="http://schemas.microsoft.com/office/powerpoint/2010/main" val="514035258"/>
+      </p:ext>
+    </p:extLst>
+  </p:cSld>
+  <p:clrMapOvr>
+    <a:masterClrMapping/>
+  </p:clrMapOvr>
+</p:sld>
+</file>
+
+<file path=ppt/slides/slide3.xml><?xml version="1.0" encoding="utf-8"?>
+<p:sld xmlns:a="http://schemas.openxmlformats.org/drawingml/2006/main" xmlns:r="http://schemas.openxmlformats.org/officeDocument/2006/relationships" xmlns:p="http://schemas.openxmlformats.org/presentationml/2006/main">
+  <p:cSld>
+    <p:spTree>
+      <p:nvGrpSpPr>
+        <p:cNvPr id="1" name=""/>
+        <p:cNvGrpSpPr/>
+        <p:nvPr/>
+      </p:nvGrpSpPr>
+      <p:grpSpPr>
+        <a:xfrm>
+          <a:off x="0" y="0"/>
+          <a:ext cx="0" cy="0"/>
+          <a:chOff x="0" y="0"/>
+          <a:chExt cx="0" cy="0"/>
+        </a:xfrm>
+      </p:grpSpPr>
+      <p:sp>
+        <p:nvSpPr>
+          <p:cNvPr id="2" name="Заголовок 1">
+            <a:extLst>
+              <a:ext uri="{FF2B5EF4-FFF2-40B4-BE49-F238E27FC236}">
+                <a16:creationId xmlns:a16="http://schemas.microsoft.com/office/drawing/2014/main" id="{DF036D78-C9BA-4323-B7D0-52BD0A09966A}"/>
+              </a:ext>
+            </a:extLst>
+          </p:cNvPr>
+          <p:cNvSpPr>
+            <a:spLocks noGrp="1"/>
+          </p:cNvSpPr>
+          <p:nvPr>
+            <p:ph type="title"/>
+          </p:nvPr>
+        </p:nvSpPr>
+        <p:spPr/>
+        <p:txBody>
+          <a:bodyPr/>
+          <a:lstStyle/>
+          <a:p>
+            <a:r>
+              <a:rPr lang="ru-RU" dirty="0"/>
+              <a:t>Вводные данные о компании</a:t>
+            </a:r>
+          </a:p>
+        </p:txBody>
+      </p:sp>
+      <p:sp>
+        <p:nvSpPr>
+          <p:cNvPr id="3" name="Объект 2">
+            <a:extLst>
+              <a:ext uri="{FF2B5EF4-FFF2-40B4-BE49-F238E27FC236}">
+                <a16:creationId xmlns:a16="http://schemas.microsoft.com/office/drawing/2014/main" id="{C3A34EA1-EF5C-4C1D-87B7-2625B2918E25}"/>
+              </a:ext>
+            </a:extLst>
+          </p:cNvPr>
+          <p:cNvSpPr>
+            <a:spLocks noGrp="1"/>
+          </p:cNvSpPr>
+          <p:nvPr>
+            <p:ph idx="1"/>
+          </p:nvPr>
+        </p:nvSpPr>
+        <p:spPr/>
+        <p:txBody>
+          <a:bodyPr/>
+          <a:lstStyle/>
+          <a:p>
+            <a:r>
+              <a:rPr lang="ru-RU" dirty="0"/>
+              <a:t>В качестве компании, в которой будет проводиться модернизация управления проектами ИТ, выступает ПАО «Альфа-Омега» (далее — компания).</a:t>
+            </a:r>
+          </a:p>
+          <a:p>
+            <a:r>
+              <a:rPr lang="ru-RU" dirty="0"/>
+              <a:t>Компания занимается онлайн-ретейлом.</a:t>
+            </a:r>
+          </a:p>
+        </p:txBody>
+      </p:sp>
+    </p:spTree>
+    <p:extLst>
+      <p:ext uri="{BB962C8B-B14F-4D97-AF65-F5344CB8AC3E}">
+        <p14:creationId xmlns:p14="http://schemas.microsoft.com/office/powerpoint/2010/main" val="3261300839"/>
+      </p:ext>
+    </p:extLst>
+  </p:cSld>
+  <p:clrMapOvr>
+    <a:masterClrMapping/>
+  </p:clrMapOvr>
+</p:sld>
+</file>
+
+<file path=ppt/slides/slide30.xml><?xml version="1.0" encoding="utf-8"?>
+<p:sld xmlns:a="http://schemas.openxmlformats.org/drawingml/2006/main" xmlns:r="http://schemas.openxmlformats.org/officeDocument/2006/relationships" xmlns:p="http://schemas.openxmlformats.org/presentationml/2006/main">
+  <p:cSld>
+    <p:spTree>
+      <p:nvGrpSpPr>
+        <p:cNvPr id="1" name=""/>
+        <p:cNvGrpSpPr/>
+        <p:nvPr/>
+      </p:nvGrpSpPr>
+      <p:grpSpPr>
+        <a:xfrm>
+          <a:off x="0" y="0"/>
+          <a:ext cx="0" cy="0"/>
+          <a:chOff x="0" y="0"/>
+          <a:chExt cx="0" cy="0"/>
+        </a:xfrm>
+      </p:grpSpPr>
+      <p:sp>
+        <p:nvSpPr>
+          <p:cNvPr id="3" name="Объект 2">
+            <a:extLst>
+              <a:ext uri="{FF2B5EF4-FFF2-40B4-BE49-F238E27FC236}">
+                <a16:creationId xmlns:a16="http://schemas.microsoft.com/office/drawing/2014/main" id="{66D8E37B-ABB8-48F7-9056-0412FA589E82}"/>
+              </a:ext>
+            </a:extLst>
+          </p:cNvPr>
+          <p:cNvSpPr>
+            <a:spLocks noGrp="1"/>
+          </p:cNvSpPr>
+          <p:nvPr>
+            <p:ph idx="1"/>
+          </p:nvPr>
+        </p:nvSpPr>
+        <p:spPr>
+          <a:xfrm>
+            <a:off x="762000" y="790832"/>
+            <a:ext cx="10668000" cy="5313251"/>
+          </a:xfrm>
+        </p:spPr>
+        <p:txBody>
+          <a:bodyPr>
+            <a:normAutofit/>
+          </a:bodyPr>
+          <a:lstStyle/>
+          <a:p>
+            <a:r>
+              <a:rPr lang="ru-RU" dirty="0"/>
+              <a:t>Разработать организационно-распорядительные документы системы управления ИБ (процедуры, регламенты и др.), а также переделать действующие (политика по обеспечению информационной безопасности)</a:t>
+            </a:r>
+          </a:p>
+          <a:p>
+            <a:r>
+              <a:rPr lang="ru-RU" dirty="0"/>
+              <a:t>Разработать рабочий проект (включая документацию на используемые средства защиты и порядок администрирования, план ввода системы ИБ в эксплуатацию и др.), запланировать обучения пользователей и обслуживающего персонала информационной системы.</a:t>
+            </a:r>
+          </a:p>
+        </p:txBody>
+      </p:sp>
+    </p:spTree>
+    <p:extLst>
+      <p:ext uri="{BB962C8B-B14F-4D97-AF65-F5344CB8AC3E}">
+        <p14:creationId xmlns:p14="http://schemas.microsoft.com/office/powerpoint/2010/main" val="1915157026"/>
+      </p:ext>
+    </p:extLst>
+  </p:cSld>
+  <p:clrMapOvr>
+    <a:masterClrMapping/>
+  </p:clrMapOvr>
+</p:sld>
+</file>
+
+<file path=ppt/slides/slide31.xml><?xml version="1.0" encoding="utf-8"?>
+<p:sld xmlns:a="http://schemas.openxmlformats.org/drawingml/2006/main" xmlns:r="http://schemas.openxmlformats.org/officeDocument/2006/relationships" xmlns:p="http://schemas.openxmlformats.org/presentationml/2006/main">
+  <p:cSld>
+    <p:spTree>
+      <p:nvGrpSpPr>
+        <p:cNvPr id="1" name=""/>
+        <p:cNvGrpSpPr/>
+        <p:nvPr/>
+      </p:nvGrpSpPr>
+      <p:grpSpPr>
+        <a:xfrm>
+          <a:off x="0" y="0"/>
+          <a:ext cx="0" cy="0"/>
+          <a:chOff x="0" y="0"/>
+          <a:chExt cx="0" cy="0"/>
+        </a:xfrm>
+      </p:grpSpPr>
+      <p:sp>
+        <p:nvSpPr>
+          <p:cNvPr id="2" name="Заголовок 1">
+            <a:extLst>
+              <a:ext uri="{FF2B5EF4-FFF2-40B4-BE49-F238E27FC236}">
+                <a16:creationId xmlns:a16="http://schemas.microsoft.com/office/drawing/2014/main" id="{5DF4D20D-7AD7-41DC-872B-D3981D20E790}"/>
+              </a:ext>
+            </a:extLst>
+          </p:cNvPr>
+          <p:cNvSpPr>
+            <a:spLocks noGrp="1"/>
+          </p:cNvSpPr>
+          <p:nvPr>
+            <p:ph type="title"/>
+          </p:nvPr>
+        </p:nvSpPr>
+        <p:spPr/>
+        <p:txBody>
+          <a:bodyPr/>
+          <a:lstStyle/>
+          <a:p>
+            <a:r>
+              <a:rPr lang="ru-RU" dirty="0"/>
+              <a:t>Внедрить систему ИБ</a:t>
+            </a:r>
+          </a:p>
+        </p:txBody>
+      </p:sp>
+      <p:sp>
+        <p:nvSpPr>
+          <p:cNvPr id="3" name="Объект 2">
+            <a:extLst>
+              <a:ext uri="{FF2B5EF4-FFF2-40B4-BE49-F238E27FC236}">
+                <a16:creationId xmlns:a16="http://schemas.microsoft.com/office/drawing/2014/main" id="{405E0D46-7A9F-49DA-B4DB-B4F782CFBFA1}"/>
+              </a:ext>
+            </a:extLst>
+          </p:cNvPr>
+          <p:cNvSpPr>
+            <a:spLocks noGrp="1"/>
+          </p:cNvSpPr>
+          <p:nvPr>
+            <p:ph idx="1"/>
+          </p:nvPr>
+        </p:nvSpPr>
+        <p:spPr/>
+        <p:txBody>
+          <a:bodyPr>
+            <a:normAutofit lnSpcReduction="10000"/>
+          </a:bodyPr>
+          <a:lstStyle/>
+          <a:p>
+            <a:r>
+              <a:rPr lang="ru-RU" dirty="0"/>
+              <a:t>После проведения полного тестирования спроектированной системы ИБ, можно приступать к ее внедрению.</a:t>
+            </a:r>
+          </a:p>
+          <a:p>
+            <a:r>
+              <a:rPr lang="ru-RU" dirty="0"/>
+              <a:t>В первую очередь, необходимо осуществить поставку программных и технических средств защиты информации, инсталляцию программных компонентов, настройку всех компонентов и подсистем, а затем проведение приемо-сдаточных испытаний.</a:t>
+            </a:r>
+          </a:p>
+          <a:p>
+            <a:pPr marL="0" indent="0">
+              <a:buNone/>
+            </a:pPr>
+            <a:endParaRPr lang="ru-RU" dirty="0"/>
+          </a:p>
+        </p:txBody>
+      </p:sp>
+    </p:spTree>
+    <p:extLst>
+      <p:ext uri="{BB962C8B-B14F-4D97-AF65-F5344CB8AC3E}">
+        <p14:creationId xmlns:p14="http://schemas.microsoft.com/office/powerpoint/2010/main" val="734405377"/>
+      </p:ext>
+    </p:extLst>
+  </p:cSld>
+  <p:clrMapOvr>
+    <a:masterClrMapping/>
+  </p:clrMapOvr>
+</p:sld>
+</file>
+
+<file path=ppt/slides/slide32.xml><?xml version="1.0" encoding="utf-8"?>
+<p:sld xmlns:a="http://schemas.openxmlformats.org/drawingml/2006/main" xmlns:r="http://schemas.openxmlformats.org/officeDocument/2006/relationships" xmlns:p="http://schemas.openxmlformats.org/presentationml/2006/main">
+  <p:cSld>
+    <p:spTree>
+      <p:nvGrpSpPr>
+        <p:cNvPr id="1" name=""/>
+        <p:cNvGrpSpPr/>
+        <p:nvPr/>
+      </p:nvGrpSpPr>
+      <p:grpSpPr>
+        <a:xfrm>
+          <a:off x="0" y="0"/>
+          <a:ext cx="0" cy="0"/>
+          <a:chOff x="0" y="0"/>
+          <a:chExt cx="0" cy="0"/>
+        </a:xfrm>
+      </p:grpSpPr>
+      <p:sp>
+        <p:nvSpPr>
+          <p:cNvPr id="3" name="Объект 2">
+            <a:extLst>
+              <a:ext uri="{FF2B5EF4-FFF2-40B4-BE49-F238E27FC236}">
+                <a16:creationId xmlns:a16="http://schemas.microsoft.com/office/drawing/2014/main" id="{66D8E37B-ABB8-48F7-9056-0412FA589E82}"/>
+              </a:ext>
+            </a:extLst>
+          </p:cNvPr>
+          <p:cNvSpPr>
+            <a:spLocks noGrp="1"/>
+          </p:cNvSpPr>
+          <p:nvPr>
+            <p:ph idx="1"/>
+          </p:nvPr>
+        </p:nvSpPr>
+        <p:spPr>
+          <a:xfrm>
+            <a:off x="762000" y="790832"/>
+            <a:ext cx="10668000" cy="5313251"/>
+          </a:xfrm>
+        </p:spPr>
+        <p:txBody>
+          <a:bodyPr>
+            <a:normAutofit fontScale="85000" lnSpcReduction="20000"/>
+          </a:bodyPr>
+          <a:lstStyle/>
+          <a:p>
+            <a:r>
+              <a:rPr lang="ru-RU" dirty="0"/>
+              <a:t>Как только будет закончено базовое внедрение комплексной информационной системы на предприятии, необходимо эту информационную систему внедрить. </a:t>
+            </a:r>
+          </a:p>
+          <a:p>
+            <a:r>
+              <a:rPr lang="ru-RU" dirty="0"/>
+              <a:t>Но перед этим нам необходимо обучить всех разработчиков навыкам безопасного программирования и тестирования (это касается и внешних разработчиков), а также обучить всех пользователей информационной системы базовым навыкам информационной безопасности на предприятии, в том числе при пользовании ИС (это касается всех контрагентов, взаимодействующих с ИС).</a:t>
+            </a:r>
+          </a:p>
+          <a:p>
+            <a:r>
+              <a:rPr lang="ru-RU" dirty="0"/>
+              <a:t>А уже после этого производится ввод системы ИБ в промышленную эксплуатацию. Но для эффективной дальнейшей эксплуатации системы необходимо обеспечить ее поддержку и сопровождение.</a:t>
+            </a:r>
+          </a:p>
+        </p:txBody>
+      </p:sp>
+    </p:spTree>
+    <p:extLst>
+      <p:ext uri="{BB962C8B-B14F-4D97-AF65-F5344CB8AC3E}">
+        <p14:creationId xmlns:p14="http://schemas.microsoft.com/office/powerpoint/2010/main" val="3806347810"/>
+      </p:ext>
+    </p:extLst>
+  </p:cSld>
+  <p:clrMapOvr>
+    <a:masterClrMapping/>
+  </p:clrMapOvr>
+</p:sld>
+</file>
+
+<file path=ppt/slides/slide33.xml><?xml version="1.0" encoding="utf-8"?>
+<p:sld xmlns:a="http://schemas.openxmlformats.org/drawingml/2006/main" xmlns:r="http://schemas.openxmlformats.org/officeDocument/2006/relationships" xmlns:p="http://schemas.openxmlformats.org/presentationml/2006/main">
+  <p:cSld>
+    <p:spTree>
+      <p:nvGrpSpPr>
+        <p:cNvPr id="1" name=""/>
+        <p:cNvGrpSpPr/>
+        <p:nvPr/>
+      </p:nvGrpSpPr>
+      <p:grpSpPr>
+        <a:xfrm>
+          <a:off x="0" y="0"/>
+          <a:ext cx="0" cy="0"/>
+          <a:chOff x="0" y="0"/>
+          <a:chExt cx="0" cy="0"/>
+        </a:xfrm>
+      </p:grpSpPr>
+      <p:sp>
+        <p:nvSpPr>
+          <p:cNvPr id="2" name="Заголовок 1">
+            <a:extLst>
+              <a:ext uri="{FF2B5EF4-FFF2-40B4-BE49-F238E27FC236}">
+                <a16:creationId xmlns:a16="http://schemas.microsoft.com/office/drawing/2014/main" id="{E50F2AFD-555C-44AB-8B2C-CE030D5E1DB6}"/>
+              </a:ext>
+            </a:extLst>
+          </p:cNvPr>
+          <p:cNvSpPr>
+            <a:spLocks noGrp="1"/>
+          </p:cNvSpPr>
+          <p:nvPr>
+            <p:ph type="title"/>
+          </p:nvPr>
+        </p:nvSpPr>
+        <p:spPr/>
+        <p:txBody>
+          <a:bodyPr/>
+          <a:lstStyle/>
+          <a:p>
+            <a:r>
+              <a:rPr lang="ru-RU" dirty="0"/>
+              <a:t>Поддержание ИБ в компании</a:t>
+            </a:r>
+          </a:p>
+        </p:txBody>
+      </p:sp>
+      <p:sp>
+        <p:nvSpPr>
+          <p:cNvPr id="3" name="Объект 2">
+            <a:extLst>
+              <a:ext uri="{FF2B5EF4-FFF2-40B4-BE49-F238E27FC236}">
+                <a16:creationId xmlns:a16="http://schemas.microsoft.com/office/drawing/2014/main" id="{5AB29BD2-10B9-40E6-8ECB-441761BE7D7B}"/>
+              </a:ext>
+            </a:extLst>
+          </p:cNvPr>
+          <p:cNvSpPr>
+            <a:spLocks noGrp="1"/>
+          </p:cNvSpPr>
+          <p:nvPr>
+            <p:ph idx="1"/>
+          </p:nvPr>
+        </p:nvSpPr>
+        <p:spPr/>
+        <p:txBody>
+          <a:bodyPr>
+            <a:normAutofit fontScale="92500" lnSpcReduction="20000"/>
+          </a:bodyPr>
+          <a:lstStyle/>
+          <a:p>
+            <a:r>
+              <a:rPr lang="ru-RU" dirty="0"/>
+              <a:t>Имея внедрённую на предприятие систему ИБ недостаточно просто сидеть и любоваться ею, необходимо регулярно проводить аудиты для поддержания актуальности системы, и при необходимости проходить остальные этапы (проектирование, внедрение)</a:t>
+            </a:r>
+          </a:p>
+          <a:p>
+            <a:r>
+              <a:rPr lang="ru-RU" dirty="0"/>
+              <a:t>Для этого можно привлечь стороннюю организацию, которая бы занималась полным циклом поддержания ИБ на предприятии, в том числе и расследованием инцидентов, управлением непрерывностью ведения бизнеса.</a:t>
+            </a:r>
+          </a:p>
+        </p:txBody>
+      </p:sp>
+    </p:spTree>
+    <p:extLst>
+      <p:ext uri="{BB962C8B-B14F-4D97-AF65-F5344CB8AC3E}">
+        <p14:creationId xmlns:p14="http://schemas.microsoft.com/office/powerpoint/2010/main" val="750700487"/>
+      </p:ext>
+    </p:extLst>
+  </p:cSld>
+  <p:clrMapOvr>
+    <a:masterClrMapping/>
+  </p:clrMapOvr>
+</p:sld>
+</file>
+
+<file path=ppt/slides/slide34.xml><?xml version="1.0" encoding="utf-8"?>
+<p:sld xmlns:a="http://schemas.openxmlformats.org/drawingml/2006/main" xmlns:r="http://schemas.openxmlformats.org/officeDocument/2006/relationships" xmlns:p="http://schemas.openxmlformats.org/presentationml/2006/main">
+  <p:cSld>
+    <p:spTree>
+      <p:nvGrpSpPr>
+        <p:cNvPr id="1" name=""/>
+        <p:cNvGrpSpPr/>
+        <p:nvPr/>
+      </p:nvGrpSpPr>
+      <p:grpSpPr>
+        <a:xfrm>
+          <a:off x="0" y="0"/>
+          <a:ext cx="0" cy="0"/>
+          <a:chOff x="0" y="0"/>
+          <a:chExt cx="0" cy="0"/>
+        </a:xfrm>
+      </p:grpSpPr>
+      <p:sp>
+        <p:nvSpPr>
+          <p:cNvPr id="3" name="Объект 2">
+            <a:extLst>
+              <a:ext uri="{FF2B5EF4-FFF2-40B4-BE49-F238E27FC236}">
+                <a16:creationId xmlns:a16="http://schemas.microsoft.com/office/drawing/2014/main" id="{66D8E37B-ABB8-48F7-9056-0412FA589E82}"/>
+              </a:ext>
+            </a:extLst>
+          </p:cNvPr>
+          <p:cNvSpPr>
+            <a:spLocks noGrp="1"/>
+          </p:cNvSpPr>
+          <p:nvPr>
+            <p:ph idx="1"/>
+          </p:nvPr>
+        </p:nvSpPr>
+        <p:spPr>
+          <a:xfrm>
+            <a:off x="762000" y="790832"/>
+            <a:ext cx="10668000" cy="5313251"/>
+          </a:xfrm>
+        </p:spPr>
+        <p:txBody>
+          <a:bodyPr>
+            <a:normAutofit fontScale="85000" lnSpcReduction="20000"/>
+          </a:bodyPr>
+          <a:lstStyle/>
+          <a:p>
+            <a:r>
+              <a:rPr lang="ru-RU" dirty="0"/>
               <a:t>Сторонняя организация также может быть привлечена к тестированию кода, который пишут наши и привлекаемые разработчики, на уязвимости. Это решит нашу основную проблему с встречающейся некомпетентностью разработчиков в плане безопасности разрабатываемых продуктов.</a:t>
             </a:r>
           </a:p>
           <a:p>
             <a:r>
               <a:rPr lang="ru-RU" dirty="0"/>
-              <a:t>Во избежание утечек информации через сотрудников компании необходимо дополнительно ввести в действие </a:t>
-            </a:r>
-            <a:r>
-              <a:rPr lang="en-US" dirty="0"/>
-              <a:t>DLP </a:t>
-            </a:r>
-            <a:r>
-              <a:rPr lang="ru-RU" dirty="0"/>
-              <a:t>систему (</a:t>
-            </a:r>
-            <a:r>
-              <a:rPr lang="af-ZA" dirty="0"/>
-              <a:t>Data Leak Prevention</a:t>
-            </a:r>
-            <a:r>
-              <a:rPr lang="ru-RU" dirty="0"/>
-              <a:t>), что позволит контролировать информацию внутри предприятия.</a:t>
-            </a:r>
-          </a:p>
-          <a:p>
-            <a:r>
-              <a:rPr lang="ru-RU" dirty="0"/>
               <a:t>А при передаче персональных данных клиентов контрагентам необходимо обеспечить перекладывание ответственности за них на самого контрагента.</a:t>
             </a:r>
           </a:p>
@@ -5723,13 +7418,8 @@
           <a:p>
             <a:r>
               <a:rPr lang="ru-RU" dirty="0"/>
-              <a:t>Ну и самое главное — руководство должно не забывать про то, что обеспечение ИБ на предприятии является постоянно текущей, все процессы должны выполняться на протяжении всего </a:t>
-            </a:r>
-            <a:r>
-              <a:rPr lang="ru-RU"/>
-              <a:t>существования предприятия. </a:t>
-            </a:r>
-            <a:endParaRPr lang="ru-RU" dirty="0"/>
+              <a:t>Ну и самое главное — руководство должно не забывать про то, что обеспечение ИБ на предприятии является постоянно текущей, все процессы должны выполняться на протяжении всего существования предприятия. </a:t>
+            </a:r>
           </a:p>
           <a:p>
             <a:endParaRPr lang="ru-RU" dirty="0"/>
@@ -5749,7 +7439,7 @@
 </p:sld>
 </file>
 
-<file path=ppt/slides/slide23.xml><?xml version="1.0" encoding="utf-8"?>
+<file path=ppt/slides/slide35.xml><?xml version="1.0" encoding="utf-8"?>
 <p:sld xmlns:a="http://schemas.openxmlformats.org/drawingml/2006/main" xmlns:r="http://schemas.openxmlformats.org/officeDocument/2006/relationships" xmlns:p="http://schemas.openxmlformats.org/presentationml/2006/main">
   <p:cSld>
     <p:bg>
@@ -6823,98 +8513,6 @@
     <p:extLst>
       <p:ext uri="{BB962C8B-B14F-4D97-AF65-F5344CB8AC3E}">
         <p14:creationId xmlns:p14="http://schemas.microsoft.com/office/powerpoint/2010/main" val="3667500"/>
-      </p:ext>
-    </p:extLst>
-  </p:cSld>
-  <p:clrMapOvr>
-    <a:masterClrMapping/>
-  </p:clrMapOvr>
-</p:sld>
-</file>
-
-<file path=ppt/slides/slide3.xml><?xml version="1.0" encoding="utf-8"?>
-<p:sld xmlns:a="http://schemas.openxmlformats.org/drawingml/2006/main" xmlns:r="http://schemas.openxmlformats.org/officeDocument/2006/relationships" xmlns:p="http://schemas.openxmlformats.org/presentationml/2006/main">
-  <p:cSld>
-    <p:spTree>
-      <p:nvGrpSpPr>
-        <p:cNvPr id="1" name=""/>
-        <p:cNvGrpSpPr/>
-        <p:nvPr/>
-      </p:nvGrpSpPr>
-      <p:grpSpPr>
-        <a:xfrm>
-          <a:off x="0" y="0"/>
-          <a:ext cx="0" cy="0"/>
-          <a:chOff x="0" y="0"/>
-          <a:chExt cx="0" cy="0"/>
-        </a:xfrm>
-      </p:grpSpPr>
-      <p:sp>
-        <p:nvSpPr>
-          <p:cNvPr id="2" name="Заголовок 1">
-            <a:extLst>
-              <a:ext uri="{FF2B5EF4-FFF2-40B4-BE49-F238E27FC236}">
-                <a16:creationId xmlns:a16="http://schemas.microsoft.com/office/drawing/2014/main" id="{DF036D78-C9BA-4323-B7D0-52BD0A09966A}"/>
-              </a:ext>
-            </a:extLst>
-          </p:cNvPr>
-          <p:cNvSpPr>
-            <a:spLocks noGrp="1"/>
-          </p:cNvSpPr>
-          <p:nvPr>
-            <p:ph type="title"/>
-          </p:nvPr>
-        </p:nvSpPr>
-        <p:spPr/>
-        <p:txBody>
-          <a:bodyPr/>
-          <a:lstStyle/>
-          <a:p>
-            <a:r>
-              <a:rPr lang="ru-RU" dirty="0"/>
-              <a:t>Вводные данные о компании</a:t>
-            </a:r>
-          </a:p>
-        </p:txBody>
-      </p:sp>
-      <p:sp>
-        <p:nvSpPr>
-          <p:cNvPr id="3" name="Объект 2">
-            <a:extLst>
-              <a:ext uri="{FF2B5EF4-FFF2-40B4-BE49-F238E27FC236}">
-                <a16:creationId xmlns:a16="http://schemas.microsoft.com/office/drawing/2014/main" id="{C3A34EA1-EF5C-4C1D-87B7-2625B2918E25}"/>
-              </a:ext>
-            </a:extLst>
-          </p:cNvPr>
-          <p:cNvSpPr>
-            <a:spLocks noGrp="1"/>
-          </p:cNvSpPr>
-          <p:nvPr>
-            <p:ph idx="1"/>
-          </p:nvPr>
-        </p:nvSpPr>
-        <p:spPr/>
-        <p:txBody>
-          <a:bodyPr/>
-          <a:lstStyle/>
-          <a:p>
-            <a:r>
-              <a:rPr lang="ru-RU" dirty="0"/>
-              <a:t>В качестве компании, в которой будет проводиться модернизация управления проектами ИТ, выступает ПАО «Альфа-Омега» (далее — компания).</a:t>
-            </a:r>
-          </a:p>
-          <a:p>
-            <a:r>
-              <a:rPr lang="ru-RU" dirty="0"/>
-              <a:t>Компания занимается онлайн-ретейлом.</a:t>
-            </a:r>
-          </a:p>
-        </p:txBody>
-      </p:sp>
-    </p:spTree>
-    <p:extLst>
-      <p:ext uri="{BB962C8B-B14F-4D97-AF65-F5344CB8AC3E}">
-        <p14:creationId xmlns:p14="http://schemas.microsoft.com/office/powerpoint/2010/main" val="3261300839"/>
       </p:ext>
     </p:extLst>
   </p:cSld>
@@ -7718,21 +9316,6 @@
 </file>
 
 <file path=customXml/item1.xml><?xml version="1.0" encoding="utf-8"?>
-<p:properties xmlns:p="http://schemas.microsoft.com/office/2006/metadata/properties" xmlns:xsi="http://www.w3.org/2001/XMLSchema-instance" xmlns:pc="http://schemas.microsoft.com/office/infopath/2007/PartnerControls">
-  <documentManagement/>
-</p:properties>
-</file>
-
-<file path=customXml/item2.xml><?xml version="1.0" encoding="utf-8"?>
-<?mso-contentType ?>
-<FormTemplates xmlns="http://schemas.microsoft.com/sharepoint/v3/contenttype/forms">
-  <Display>DocumentLibraryForm</Display>
-  <Edit>DocumentLibraryForm</Edit>
-  <New>DocumentLibraryForm</New>
-</FormTemplates>
-</file>
-
-<file path=customXml/item3.xml><?xml version="1.0" encoding="utf-8"?>
 <ct:contentTypeSchema xmlns:ct="http://schemas.microsoft.com/office/2006/metadata/contentType" xmlns:ma="http://schemas.microsoft.com/office/2006/metadata/properties/metaAttributes" ct:_="" ma:_="" ma:contentTypeName="Документ" ma:contentTypeID="0x0101000F994478E3416B479D94814F3C23CA4D" ma:contentTypeVersion="10" ma:contentTypeDescription="Создание документа." ma:contentTypeScope="" ma:versionID="1f0598b2390e71d6f9b9c5675e0d1926">
   <xsd:schema xmlns:xsd="http://www.w3.org/2001/XMLSchema" xmlns:xs="http://www.w3.org/2001/XMLSchema" xmlns:p="http://schemas.microsoft.com/office/2006/metadata/properties" xmlns:ns3="ccac0629-e6fb-4150-a922-64769dc06ff0" targetNamespace="http://schemas.microsoft.com/office/2006/metadata/properties" ma:root="true" ma:fieldsID="92352157cf75c7aaf46c275a6b2a0634" ns3:_="">
     <xsd:import namespace="ccac0629-e6fb-4150-a922-64769dc06ff0"/>
@@ -7916,31 +9499,22 @@
 </ct:contentTypeSchema>
 </file>
 
-<file path=customXml/itemProps1.xml><?xml version="1.0" encoding="utf-8"?>
-<ds:datastoreItem xmlns:ds="http://schemas.openxmlformats.org/officeDocument/2006/customXml" ds:itemID="{706E8A31-33B8-47EF-AABF-58450DA0D323}">
-  <ds:schemaRefs>
-    <ds:schemaRef ds:uri="http://schemas.openxmlformats.org/package/2006/metadata/core-properties"/>
-    <ds:schemaRef ds:uri="ccac0629-e6fb-4150-a922-64769dc06ff0"/>
-    <ds:schemaRef ds:uri="http://purl.org/dc/elements/1.1/"/>
-    <ds:schemaRef ds:uri="http://purl.org/dc/terms/"/>
-    <ds:schemaRef ds:uri="http://schemas.microsoft.com/office/2006/metadata/properties"/>
-    <ds:schemaRef ds:uri="http://schemas.microsoft.com/office/2006/documentManagement/types"/>
-    <ds:schemaRef ds:uri="http://www.w3.org/XML/1998/namespace"/>
-    <ds:schemaRef ds:uri="http://schemas.microsoft.com/office/infopath/2007/PartnerControls"/>
-    <ds:schemaRef ds:uri="http://purl.org/dc/dcmitype/"/>
-  </ds:schemaRefs>
-</ds:datastoreItem>
+<file path=customXml/item2.xml><?xml version="1.0" encoding="utf-8"?>
+<?mso-contentType ?>
+<FormTemplates xmlns="http://schemas.microsoft.com/sharepoint/v3/contenttype/forms">
+  <Display>DocumentLibraryForm</Display>
+  <Edit>DocumentLibraryForm</Edit>
+  <New>DocumentLibraryForm</New>
+</FormTemplates>
 </file>
 
-<file path=customXml/itemProps2.xml><?xml version="1.0" encoding="utf-8"?>
-<ds:datastoreItem xmlns:ds="http://schemas.openxmlformats.org/officeDocument/2006/customXml" ds:itemID="{2A8D0FB4-3A3A-47A1-B42B-508551A95FD2}">
-  <ds:schemaRefs>
-    <ds:schemaRef ds:uri="http://schemas.microsoft.com/sharepoint/v3/contenttype/forms"/>
-  </ds:schemaRefs>
-</ds:datastoreItem>
+<file path=customXml/item3.xml><?xml version="1.0" encoding="utf-8"?>
+<p:properties xmlns:p="http://schemas.microsoft.com/office/2006/metadata/properties" xmlns:xsi="http://www.w3.org/2001/XMLSchema-instance" xmlns:pc="http://schemas.microsoft.com/office/infopath/2007/PartnerControls">
+  <documentManagement/>
+</p:properties>
 </file>
 
-<file path=customXml/itemProps3.xml><?xml version="1.0" encoding="utf-8"?>
+<file path=customXml/itemProps1.xml><?xml version="1.0" encoding="utf-8"?>
 <ds:datastoreItem xmlns:ds="http://schemas.openxmlformats.org/officeDocument/2006/customXml" ds:itemID="{385EB10E-4031-4740-A9BD-66562FBAAAD8}">
   <ds:schemaRefs>
     <ds:schemaRef ds:uri="http://schemas.microsoft.com/office/2006/metadata/contentType"/>
@@ -7956,4 +9530,28 @@
     <ds:schemaRef ds:uri="http://schemas.microsoft.com/internal/obd"/>
   </ds:schemaRefs>
 </ds:datastoreItem>
+</file>
+
+<file path=customXml/itemProps2.xml><?xml version="1.0" encoding="utf-8"?>
+<ds:datastoreItem xmlns:ds="http://schemas.openxmlformats.org/officeDocument/2006/customXml" ds:itemID="{2A8D0FB4-3A3A-47A1-B42B-508551A95FD2}">
+  <ds:schemaRefs>
+    <ds:schemaRef ds:uri="http://schemas.microsoft.com/sharepoint/v3/contenttype/forms"/>
+  </ds:schemaRefs>
+</ds:datastoreItem>
+</file>
+
+<file path=customXml/itemProps3.xml><?xml version="1.0" encoding="utf-8"?>
+<ds:datastoreItem xmlns:ds="http://schemas.openxmlformats.org/officeDocument/2006/customXml" ds:itemID="{706E8A31-33B8-47EF-AABF-58450DA0D323}">
+  <ds:schemaRefs>
+    <ds:schemaRef ds:uri="http://purl.org/dc/terms/"/>
+    <ds:schemaRef ds:uri="http://schemas.microsoft.com/office/2006/documentManagement/types"/>
+    <ds:schemaRef ds:uri="http://www.w3.org/XML/1998/namespace"/>
+    <ds:schemaRef ds:uri="http://schemas.microsoft.com/office/2006/metadata/properties"/>
+    <ds:schemaRef ds:uri="http://schemas.openxmlformats.org/package/2006/metadata/core-properties"/>
+    <ds:schemaRef ds:uri="http://schemas.microsoft.com/office/infopath/2007/PartnerControls"/>
+    <ds:schemaRef ds:uri="ccac0629-e6fb-4150-a922-64769dc06ff0"/>
+    <ds:schemaRef ds:uri="http://purl.org/dc/dcmitype/"/>
+    <ds:schemaRef ds:uri="http://purl.org/dc/elements/1.1/"/>
+  </ds:schemaRefs>
+</ds:datastoreItem>
 </file>